--- a/Pricing-Elasticity-with-Agentic-Workflow.pptx
+++ b/Pricing-Elasticity-with-Agentic-Workflow.pptx
@@ -16,6 +16,12 @@
     <p:sldId id="257" r:id="rId9"/>
     <p:sldId id="258" r:id="rId10"/>
     <p:sldId id="259" r:id="rId11"/>
+    <p:sldId id="260" r:id="rId12"/>
+    <p:sldId id="261" r:id="rId13"/>
+    <p:sldId id="262" r:id="rId14"/>
+    <p:sldId id="263" r:id="rId15"/>
+    <p:sldId id="264" r:id="rId16"/>
+    <p:sldId id="265" r:id="rId17"/>
   </p:sldIdLst>
   <p:sldSz cx="14630400" cy="8229600"/>
   <p:notesSz cx="8229600" cy="14630400"/>
@@ -71,17 +77,17 @@
             <a:r>
               <a:rPr b="0" lang="en-US" sz="4400" spc="-1" strike="noStrike">
                 <a:solidFill>
-                  <a:schemeClr val="dk1"/>
-                </a:solidFill>
-                <a:latin typeface="Calibri Light"/>
+                  <a:srgbClr val="000000"/>
+                </a:solidFill>
+                <a:latin typeface="Arial"/>
               </a:rPr>
               <a:t>Click to move the slide</a:t>
             </a:r>
             <a:endParaRPr b="0" lang="en-US" sz="4400" spc="-1" strike="noStrike">
               <a:solidFill>
-                <a:schemeClr val="dk1"/>
-              </a:solidFill>
-              <a:latin typeface="Calibri Light"/>
+                <a:srgbClr val="000000"/>
+              </a:solidFill>
+              <a:latin typeface="Arial"/>
             </a:endParaRPr>
           </a:p>
         </p:txBody>
@@ -124,7 +130,16 @@
                 </a:solidFill>
                 <a:latin typeface="Arial"/>
               </a:rPr>
-              <a:t>Click to edit the notes format</a:t>
+              <a:t>Click to edit the notes </a:t>
+            </a:r>
+            <a:r>
+              <a:rPr b="0" lang="en-US" sz="2000" spc="-1" strike="noStrike">
+                <a:solidFill>
+                  <a:srgbClr val="000000"/>
+                </a:solidFill>
+                <a:latin typeface="Arial"/>
+              </a:rPr>
+              <a:t>format</a:t>
             </a:r>
             <a:endParaRPr b="0" lang="en-US" sz="2000" spc="-1" strike="noStrike">
               <a:solidFill>
@@ -346,7 +361,7 @@
             <a:pPr indent="0" algn="r">
               <a:buNone/>
             </a:pPr>
-            <a:fld id="{2ACA6A30-78F4-4F57-91E9-54A3B71AA2E1}" type="slidenum">
+            <a:fld id="{CB99205A-4F75-4A47-8644-A9A98286BBA7}" type="slidenum">
               <a:rPr b="0" lang="en-US" sz="1400" spc="-1" strike="noStrike">
                 <a:solidFill>
                   <a:srgbClr val="000000"/>
@@ -389,7 +404,7 @@
       </p:grpSpPr>
       <p:sp>
         <p:nvSpPr>
-          <p:cNvPr id="60" name="PlaceHolder 1"/>
+          <p:cNvPr id="79" name="PlaceHolder 1"/>
           <p:cNvSpPr>
             <a:spLocks noGrp="1"/>
           </p:cNvSpPr>
@@ -400,19 +415,19 @@
         <p:spPr>
           <a:xfrm>
             <a:off x="685800" y="1143000"/>
-            <a:ext cx="5486040" cy="3085920"/>
-          </a:xfrm>
-          <a:prstGeom prst="rect">
-            <a:avLst/>
-          </a:prstGeom>
-          <a:ln w="0">
-            <a:noFill/>
-          </a:ln>
-        </p:spPr>
-      </p:sp>
-      <p:sp>
-        <p:nvSpPr>
-          <p:cNvPr id="61" name="PlaceHolder 2"/>
+            <a:ext cx="5485680" cy="3085560"/>
+          </a:xfrm>
+          <a:prstGeom prst="rect">
+            <a:avLst/>
+          </a:prstGeom>
+          <a:ln w="0">
+            <a:noFill/>
+          </a:ln>
+        </p:spPr>
+      </p:sp>
+      <p:sp>
+        <p:nvSpPr>
+          <p:cNvPr id="80" name="PlaceHolder 2"/>
           <p:cNvSpPr>
             <a:spLocks noGrp="1"/>
           </p:cNvSpPr>
@@ -423,7 +438,7 @@
         <p:spPr>
           <a:xfrm>
             <a:off x="685800" y="4400640"/>
-            <a:ext cx="5486040" cy="3600000"/>
+            <a:ext cx="5485680" cy="3599640"/>
           </a:xfrm>
           <a:prstGeom prst="rect">
             <a:avLst/>
@@ -452,7 +467,7 @@
       </p:sp>
       <p:sp>
         <p:nvSpPr>
-          <p:cNvPr id="62" name="PlaceHolder 3"/>
+          <p:cNvPr id="81" name="PlaceHolder 3"/>
           <p:cNvSpPr>
             <a:spLocks noGrp="1"/>
           </p:cNvSpPr>
@@ -463,7 +478,7 @@
         <p:spPr>
           <a:xfrm>
             <a:off x="3884760" y="8685360"/>
-            <a:ext cx="2971440" cy="458280"/>
+            <a:ext cx="2971080" cy="457920"/>
           </a:xfrm>
           <a:prstGeom prst="rect">
             <a:avLst/>
@@ -483,6 +498,9 @@
                 <a:spcPct val="100000"/>
               </a:lnSpc>
               <a:buNone/>
+              <a:tabLst>
+                <a:tab algn="l" pos="0"/>
+              </a:tabLst>
               <a:defRPr b="0" lang="en-US" sz="1200" spc="-1" strike="noStrike">
                 <a:solidFill>
                   <a:srgbClr val="000000"/>
@@ -497,8 +515,168 @@
                 <a:spcPct val="100000"/>
               </a:lnSpc>
               <a:buNone/>
-            </a:pPr>
-            <a:fld id="{94919CF8-FD08-4048-B2EB-D2681509CB1C}" type="slidenum">
+              <a:tabLst>
+                <a:tab algn="l" pos="0"/>
+              </a:tabLst>
+            </a:pPr>
+            <a:fld id="{FB35BFAE-2AC1-4116-B6EF-909A75CAAAEA}" type="slidenum">
+              <a:rPr b="0" lang="en-US" sz="1200" spc="-1" strike="noStrike">
+                <a:solidFill>
+                  <a:srgbClr val="000000"/>
+                </a:solidFill>
+                <a:latin typeface="Times New Roman"/>
+              </a:rPr>
+              <a:t>&lt;number&gt;</a:t>
+            </a:fld>
+            <a:endParaRPr b="0" lang="en-US" sz="1200" spc="-1" strike="noStrike">
+              <a:solidFill>
+                <a:srgbClr val="000000"/>
+              </a:solidFill>
+              <a:latin typeface="Times New Roman"/>
+            </a:endParaRPr>
+          </a:p>
+        </p:txBody>
+      </p:sp>
+    </p:spTree>
+  </p:cSld>
+</p:notes>
+</file>
+
+<file path=ppt/notesSlides/notesSlide10.xml><?xml version="1.0" encoding="utf-8"?>
+<p:notes xmlns:a="http://schemas.openxmlformats.org/drawingml/2006/main" xmlns:p="http://schemas.openxmlformats.org/presentationml/2006/main" xmlns:r="http://schemas.openxmlformats.org/officeDocument/2006/relationships" xmlns:p14="http://schemas.microsoft.com/office/powerpoint/2010/main" xmlns:p15="http://schemas.microsoft.com/office/powerpoint/2012/main" xmlns:mc="http://schemas.openxmlformats.org/markup-compatibility/2006">
+  <p:cSld>
+    <p:spTree>
+      <p:nvGrpSpPr>
+        <p:cNvPr id="1" name=""/>
+        <p:cNvGrpSpPr/>
+        <p:nvPr/>
+      </p:nvGrpSpPr>
+      <p:grpSpPr>
+        <a:xfrm>
+          <a:off x="0" y="0"/>
+          <a:ext cx="0" cy="0"/>
+          <a:chOff x="0" y="0"/>
+          <a:chExt cx="0" cy="0"/>
+        </a:xfrm>
+      </p:grpSpPr>
+      <p:sp>
+        <p:nvSpPr>
+          <p:cNvPr id="106" name="PlaceHolder 1"/>
+          <p:cNvSpPr>
+            <a:spLocks noGrp="1"/>
+          </p:cNvSpPr>
+          <p:nvPr>
+            <p:ph type="sldImg"/>
+          </p:nvPr>
+        </p:nvSpPr>
+        <p:spPr>
+          <a:xfrm>
+            <a:off x="685800" y="1143000"/>
+            <a:ext cx="5485680" cy="3085560"/>
+          </a:xfrm>
+          <a:prstGeom prst="rect">
+            <a:avLst/>
+          </a:prstGeom>
+          <a:ln w="0">
+            <a:noFill/>
+          </a:ln>
+        </p:spPr>
+      </p:sp>
+      <p:sp>
+        <p:nvSpPr>
+          <p:cNvPr id="107" name="PlaceHolder 2"/>
+          <p:cNvSpPr>
+            <a:spLocks noGrp="1"/>
+          </p:cNvSpPr>
+          <p:nvPr>
+            <p:ph type="body"/>
+          </p:nvPr>
+        </p:nvSpPr>
+        <p:spPr>
+          <a:xfrm>
+            <a:off x="685800" y="4400640"/>
+            <a:ext cx="5485680" cy="3599640"/>
+          </a:xfrm>
+          <a:prstGeom prst="rect">
+            <a:avLst/>
+          </a:prstGeom>
+          <a:noFill/>
+          <a:ln w="0">
+            <a:noFill/>
+          </a:ln>
+        </p:spPr>
+        <p:txBody>
+          <a:bodyPr lIns="91440" rIns="91440" tIns="45720" bIns="45720" anchor="t">
+            <a:noAutofit/>
+          </a:bodyPr>
+          <a:p>
+            <a:pPr marL="216000" indent="-216000">
+              <a:buNone/>
+            </a:pPr>
+            <a:endParaRPr b="0" lang="en-US" sz="1800" spc="-1" strike="noStrike">
+              <a:solidFill>
+                <a:srgbClr val="000000"/>
+              </a:solidFill>
+              <a:latin typeface="Arial"/>
+            </a:endParaRPr>
+          </a:p>
+        </p:txBody>
+      </p:sp>
+      <p:sp>
+        <p:nvSpPr>
+          <p:cNvPr id="108" name="PlaceHolder 3"/>
+          <p:cNvSpPr>
+            <a:spLocks noGrp="1"/>
+          </p:cNvSpPr>
+          <p:nvPr>
+            <p:ph type="sldNum" idx="13"/>
+          </p:nvPr>
+        </p:nvSpPr>
+        <p:spPr>
+          <a:xfrm>
+            <a:off x="3884760" y="8685360"/>
+            <a:ext cx="2971080" cy="457920"/>
+          </a:xfrm>
+          <a:prstGeom prst="rect">
+            <a:avLst/>
+          </a:prstGeom>
+          <a:noFill/>
+          <a:ln w="0">
+            <a:noFill/>
+          </a:ln>
+        </p:spPr>
+        <p:txBody>
+          <a:bodyPr lIns="91440" rIns="91440" tIns="45720" bIns="45720" anchor="b">
+            <a:noAutofit/>
+          </a:bodyPr>
+          <a:lstStyle>
+            <a:lvl1pPr indent="0" algn="r">
+              <a:lnSpc>
+                <a:spcPct val="100000"/>
+              </a:lnSpc>
+              <a:buNone/>
+              <a:tabLst>
+                <a:tab algn="l" pos="0"/>
+              </a:tabLst>
+              <a:defRPr b="0" lang="en-US" sz="1200" spc="-1" strike="noStrike">
+                <a:solidFill>
+                  <a:srgbClr val="000000"/>
+                </a:solidFill>
+                <a:latin typeface="Times New Roman"/>
+              </a:defRPr>
+            </a:lvl1pPr>
+          </a:lstStyle>
+          <a:p>
+            <a:pPr indent="0" algn="r">
+              <a:lnSpc>
+                <a:spcPct val="100000"/>
+              </a:lnSpc>
+              <a:buNone/>
+              <a:tabLst>
+                <a:tab algn="l" pos="0"/>
+              </a:tabLst>
+            </a:pPr>
+            <a:fld id="{B6F45D7D-5C67-4E4E-B18A-DBDD4AEA1C3A}" type="slidenum">
               <a:rPr b="0" lang="en-US" sz="1200" spc="-1" strike="noStrike">
                 <a:solidFill>
                   <a:srgbClr val="000000"/>
@@ -540,7 +718,7 @@
       </p:grpSpPr>
       <p:sp>
         <p:nvSpPr>
-          <p:cNvPr id="63" name="PlaceHolder 1"/>
+          <p:cNvPr id="82" name="PlaceHolder 1"/>
           <p:cNvSpPr>
             <a:spLocks noGrp="1"/>
           </p:cNvSpPr>
@@ -551,19 +729,19 @@
         <p:spPr>
           <a:xfrm>
             <a:off x="685800" y="1143000"/>
-            <a:ext cx="5486040" cy="3085920"/>
-          </a:xfrm>
-          <a:prstGeom prst="rect">
-            <a:avLst/>
-          </a:prstGeom>
-          <a:ln w="0">
-            <a:noFill/>
-          </a:ln>
-        </p:spPr>
-      </p:sp>
-      <p:sp>
-        <p:nvSpPr>
-          <p:cNvPr id="64" name="PlaceHolder 2"/>
+            <a:ext cx="5485680" cy="3085560"/>
+          </a:xfrm>
+          <a:prstGeom prst="rect">
+            <a:avLst/>
+          </a:prstGeom>
+          <a:ln w="0">
+            <a:noFill/>
+          </a:ln>
+        </p:spPr>
+      </p:sp>
+      <p:sp>
+        <p:nvSpPr>
+          <p:cNvPr id="83" name="PlaceHolder 2"/>
           <p:cNvSpPr>
             <a:spLocks noGrp="1"/>
           </p:cNvSpPr>
@@ -574,7 +752,7 @@
         <p:spPr>
           <a:xfrm>
             <a:off x="685800" y="4400640"/>
-            <a:ext cx="5486040" cy="3600000"/>
+            <a:ext cx="5485680" cy="3599640"/>
           </a:xfrm>
           <a:prstGeom prst="rect">
             <a:avLst/>
@@ -603,7 +781,7 @@
       </p:sp>
       <p:sp>
         <p:nvSpPr>
-          <p:cNvPr id="65" name="PlaceHolder 3"/>
+          <p:cNvPr id="84" name="PlaceHolder 3"/>
           <p:cNvSpPr>
             <a:spLocks noGrp="1"/>
           </p:cNvSpPr>
@@ -614,7 +792,7 @@
         <p:spPr>
           <a:xfrm>
             <a:off x="3884760" y="8685360"/>
-            <a:ext cx="2971440" cy="458280"/>
+            <a:ext cx="2971080" cy="457920"/>
           </a:xfrm>
           <a:prstGeom prst="rect">
             <a:avLst/>
@@ -634,6 +812,9 @@
                 <a:spcPct val="100000"/>
               </a:lnSpc>
               <a:buNone/>
+              <a:tabLst>
+                <a:tab algn="l" pos="0"/>
+              </a:tabLst>
               <a:defRPr b="0" lang="en-US" sz="1200" spc="-1" strike="noStrike">
                 <a:solidFill>
                   <a:srgbClr val="000000"/>
@@ -648,8 +829,11 @@
                 <a:spcPct val="100000"/>
               </a:lnSpc>
               <a:buNone/>
-            </a:pPr>
-            <a:fld id="{B22A283B-E762-4C69-A9BF-7659F977E1F2}" type="slidenum">
+              <a:tabLst>
+                <a:tab algn="l" pos="0"/>
+              </a:tabLst>
+            </a:pPr>
+            <a:fld id="{3986A6EB-45E1-47D4-B473-4131C0C65901}" type="slidenum">
               <a:rPr b="0" lang="en-US" sz="1200" spc="-1" strike="noStrike">
                 <a:solidFill>
                   <a:srgbClr val="000000"/>
@@ -691,7 +875,7 @@
       </p:grpSpPr>
       <p:sp>
         <p:nvSpPr>
-          <p:cNvPr id="66" name="PlaceHolder 1"/>
+          <p:cNvPr id="85" name="PlaceHolder 1"/>
           <p:cNvSpPr>
             <a:spLocks noGrp="1"/>
           </p:cNvSpPr>
@@ -702,19 +886,19 @@
         <p:spPr>
           <a:xfrm>
             <a:off x="685800" y="1143000"/>
-            <a:ext cx="5486040" cy="3085920"/>
-          </a:xfrm>
-          <a:prstGeom prst="rect">
-            <a:avLst/>
-          </a:prstGeom>
-          <a:ln w="0">
-            <a:noFill/>
-          </a:ln>
-        </p:spPr>
-      </p:sp>
-      <p:sp>
-        <p:nvSpPr>
-          <p:cNvPr id="67" name="PlaceHolder 2"/>
+            <a:ext cx="5485680" cy="3085560"/>
+          </a:xfrm>
+          <a:prstGeom prst="rect">
+            <a:avLst/>
+          </a:prstGeom>
+          <a:ln w="0">
+            <a:noFill/>
+          </a:ln>
+        </p:spPr>
+      </p:sp>
+      <p:sp>
+        <p:nvSpPr>
+          <p:cNvPr id="86" name="PlaceHolder 2"/>
           <p:cNvSpPr>
             <a:spLocks noGrp="1"/>
           </p:cNvSpPr>
@@ -725,7 +909,7 @@
         <p:spPr>
           <a:xfrm>
             <a:off x="685800" y="4400640"/>
-            <a:ext cx="5486040" cy="3600000"/>
+            <a:ext cx="5485680" cy="3599640"/>
           </a:xfrm>
           <a:prstGeom prst="rect">
             <a:avLst/>
@@ -754,7 +938,7 @@
       </p:sp>
       <p:sp>
         <p:nvSpPr>
-          <p:cNvPr id="68" name="PlaceHolder 3"/>
+          <p:cNvPr id="87" name="PlaceHolder 3"/>
           <p:cNvSpPr>
             <a:spLocks noGrp="1"/>
           </p:cNvSpPr>
@@ -765,7 +949,7 @@
         <p:spPr>
           <a:xfrm>
             <a:off x="3884760" y="8685360"/>
-            <a:ext cx="2971440" cy="458280"/>
+            <a:ext cx="2971080" cy="457920"/>
           </a:xfrm>
           <a:prstGeom prst="rect">
             <a:avLst/>
@@ -785,6 +969,9 @@
                 <a:spcPct val="100000"/>
               </a:lnSpc>
               <a:buNone/>
+              <a:tabLst>
+                <a:tab algn="l" pos="0"/>
+              </a:tabLst>
               <a:defRPr b="0" lang="en-US" sz="1200" spc="-1" strike="noStrike">
                 <a:solidFill>
                   <a:srgbClr val="000000"/>
@@ -799,8 +986,11 @@
                 <a:spcPct val="100000"/>
               </a:lnSpc>
               <a:buNone/>
-            </a:pPr>
-            <a:fld id="{0E36B75F-F16B-47DC-9FD4-2B676157B796}" type="slidenum">
+              <a:tabLst>
+                <a:tab algn="l" pos="0"/>
+              </a:tabLst>
+            </a:pPr>
+            <a:fld id="{7ADC0853-CC3A-4C5D-82CD-D510D855E5C5}" type="slidenum">
               <a:rPr b="0" lang="en-US" sz="1200" spc="-1" strike="noStrike">
                 <a:solidFill>
                   <a:srgbClr val="000000"/>
@@ -842,7 +1032,7 @@
       </p:grpSpPr>
       <p:sp>
         <p:nvSpPr>
-          <p:cNvPr id="69" name="PlaceHolder 1"/>
+          <p:cNvPr id="88" name="PlaceHolder 1"/>
           <p:cNvSpPr>
             <a:spLocks noGrp="1"/>
           </p:cNvSpPr>
@@ -853,19 +1043,19 @@
         <p:spPr>
           <a:xfrm>
             <a:off x="685800" y="1143000"/>
-            <a:ext cx="5486040" cy="3085920"/>
-          </a:xfrm>
-          <a:prstGeom prst="rect">
-            <a:avLst/>
-          </a:prstGeom>
-          <a:ln w="0">
-            <a:noFill/>
-          </a:ln>
-        </p:spPr>
-      </p:sp>
-      <p:sp>
-        <p:nvSpPr>
-          <p:cNvPr id="70" name="PlaceHolder 2"/>
+            <a:ext cx="5485680" cy="3085560"/>
+          </a:xfrm>
+          <a:prstGeom prst="rect">
+            <a:avLst/>
+          </a:prstGeom>
+          <a:ln w="0">
+            <a:noFill/>
+          </a:ln>
+        </p:spPr>
+      </p:sp>
+      <p:sp>
+        <p:nvSpPr>
+          <p:cNvPr id="89" name="PlaceHolder 2"/>
           <p:cNvSpPr>
             <a:spLocks noGrp="1"/>
           </p:cNvSpPr>
@@ -876,7 +1066,7 @@
         <p:spPr>
           <a:xfrm>
             <a:off x="685800" y="4400640"/>
-            <a:ext cx="5486040" cy="3600000"/>
+            <a:ext cx="5485680" cy="3599640"/>
           </a:xfrm>
           <a:prstGeom prst="rect">
             <a:avLst/>
@@ -905,7 +1095,7 @@
       </p:sp>
       <p:sp>
         <p:nvSpPr>
-          <p:cNvPr id="71" name="PlaceHolder 3"/>
+          <p:cNvPr id="90" name="PlaceHolder 3"/>
           <p:cNvSpPr>
             <a:spLocks noGrp="1"/>
           </p:cNvSpPr>
@@ -916,7 +1106,7 @@
         <p:spPr>
           <a:xfrm>
             <a:off x="3884760" y="8685360"/>
-            <a:ext cx="2971440" cy="458280"/>
+            <a:ext cx="2971080" cy="457920"/>
           </a:xfrm>
           <a:prstGeom prst="rect">
             <a:avLst/>
@@ -936,6 +1126,9 @@
                 <a:spcPct val="100000"/>
               </a:lnSpc>
               <a:buNone/>
+              <a:tabLst>
+                <a:tab algn="l" pos="0"/>
+              </a:tabLst>
               <a:defRPr b="0" lang="en-US" sz="1200" spc="-1" strike="noStrike">
                 <a:solidFill>
                   <a:srgbClr val="000000"/>
@@ -950,8 +1143,796 @@
                 <a:spcPct val="100000"/>
               </a:lnSpc>
               <a:buNone/>
-            </a:pPr>
-            <a:fld id="{3D93126F-C193-475D-B0AD-EF4EAE334EFD}" type="slidenum">
+              <a:tabLst>
+                <a:tab algn="l" pos="0"/>
+              </a:tabLst>
+            </a:pPr>
+            <a:fld id="{66F4C4D8-D29A-4200-B26D-CAF9EE3622CC}" type="slidenum">
+              <a:rPr b="0" lang="en-US" sz="1200" spc="-1" strike="noStrike">
+                <a:solidFill>
+                  <a:srgbClr val="000000"/>
+                </a:solidFill>
+                <a:latin typeface="Times New Roman"/>
+              </a:rPr>
+              <a:t>&lt;number&gt;</a:t>
+            </a:fld>
+            <a:endParaRPr b="0" lang="en-US" sz="1200" spc="-1" strike="noStrike">
+              <a:solidFill>
+                <a:srgbClr val="000000"/>
+              </a:solidFill>
+              <a:latin typeface="Times New Roman"/>
+            </a:endParaRPr>
+          </a:p>
+        </p:txBody>
+      </p:sp>
+    </p:spTree>
+  </p:cSld>
+</p:notes>
+</file>
+
+<file path=ppt/notesSlides/notesSlide5.xml><?xml version="1.0" encoding="utf-8"?>
+<p:notes xmlns:a="http://schemas.openxmlformats.org/drawingml/2006/main" xmlns:p="http://schemas.openxmlformats.org/presentationml/2006/main" xmlns:r="http://schemas.openxmlformats.org/officeDocument/2006/relationships" xmlns:p14="http://schemas.microsoft.com/office/powerpoint/2010/main" xmlns:p15="http://schemas.microsoft.com/office/powerpoint/2012/main" xmlns:mc="http://schemas.openxmlformats.org/markup-compatibility/2006">
+  <p:cSld>
+    <p:spTree>
+      <p:nvGrpSpPr>
+        <p:cNvPr id="1" name=""/>
+        <p:cNvGrpSpPr/>
+        <p:nvPr/>
+      </p:nvGrpSpPr>
+      <p:grpSpPr>
+        <a:xfrm>
+          <a:off x="0" y="0"/>
+          <a:ext cx="0" cy="0"/>
+          <a:chOff x="0" y="0"/>
+          <a:chExt cx="0" cy="0"/>
+        </a:xfrm>
+      </p:grpSpPr>
+      <p:sp>
+        <p:nvSpPr>
+          <p:cNvPr id="91" name="PlaceHolder 1"/>
+          <p:cNvSpPr>
+            <a:spLocks noGrp="1"/>
+          </p:cNvSpPr>
+          <p:nvPr>
+            <p:ph type="sldImg"/>
+          </p:nvPr>
+        </p:nvSpPr>
+        <p:spPr>
+          <a:xfrm>
+            <a:off x="685800" y="1143000"/>
+            <a:ext cx="5485680" cy="3085560"/>
+          </a:xfrm>
+          <a:prstGeom prst="rect">
+            <a:avLst/>
+          </a:prstGeom>
+          <a:ln w="0">
+            <a:noFill/>
+          </a:ln>
+        </p:spPr>
+      </p:sp>
+      <p:sp>
+        <p:nvSpPr>
+          <p:cNvPr id="92" name="PlaceHolder 2"/>
+          <p:cNvSpPr>
+            <a:spLocks noGrp="1"/>
+          </p:cNvSpPr>
+          <p:nvPr>
+            <p:ph type="body"/>
+          </p:nvPr>
+        </p:nvSpPr>
+        <p:spPr>
+          <a:xfrm>
+            <a:off x="685800" y="4400640"/>
+            <a:ext cx="5485680" cy="3599640"/>
+          </a:xfrm>
+          <a:prstGeom prst="rect">
+            <a:avLst/>
+          </a:prstGeom>
+          <a:noFill/>
+          <a:ln w="0">
+            <a:noFill/>
+          </a:ln>
+        </p:spPr>
+        <p:txBody>
+          <a:bodyPr lIns="91440" rIns="91440" tIns="45720" bIns="45720" anchor="t">
+            <a:noAutofit/>
+          </a:bodyPr>
+          <a:p>
+            <a:pPr marL="216000" indent="-216000">
+              <a:buNone/>
+            </a:pPr>
+            <a:endParaRPr b="0" lang="en-US" sz="1800" spc="-1" strike="noStrike">
+              <a:solidFill>
+                <a:srgbClr val="000000"/>
+              </a:solidFill>
+              <a:latin typeface="Arial"/>
+            </a:endParaRPr>
+          </a:p>
+        </p:txBody>
+      </p:sp>
+      <p:sp>
+        <p:nvSpPr>
+          <p:cNvPr id="93" name="PlaceHolder 3"/>
+          <p:cNvSpPr>
+            <a:spLocks noGrp="1"/>
+          </p:cNvSpPr>
+          <p:nvPr>
+            <p:ph type="sldNum" idx="8"/>
+          </p:nvPr>
+        </p:nvSpPr>
+        <p:spPr>
+          <a:xfrm>
+            <a:off x="3884760" y="8685360"/>
+            <a:ext cx="2971080" cy="457920"/>
+          </a:xfrm>
+          <a:prstGeom prst="rect">
+            <a:avLst/>
+          </a:prstGeom>
+          <a:noFill/>
+          <a:ln w="0">
+            <a:noFill/>
+          </a:ln>
+        </p:spPr>
+        <p:txBody>
+          <a:bodyPr lIns="91440" rIns="91440" tIns="45720" bIns="45720" anchor="b">
+            <a:noAutofit/>
+          </a:bodyPr>
+          <a:lstStyle>
+            <a:lvl1pPr indent="0" algn="r">
+              <a:lnSpc>
+                <a:spcPct val="100000"/>
+              </a:lnSpc>
+              <a:buNone/>
+              <a:tabLst>
+                <a:tab algn="l" pos="0"/>
+              </a:tabLst>
+              <a:defRPr b="0" lang="en-US" sz="1200" spc="-1" strike="noStrike">
+                <a:solidFill>
+                  <a:srgbClr val="000000"/>
+                </a:solidFill>
+                <a:latin typeface="Times New Roman"/>
+              </a:defRPr>
+            </a:lvl1pPr>
+          </a:lstStyle>
+          <a:p>
+            <a:pPr indent="0" algn="r">
+              <a:lnSpc>
+                <a:spcPct val="100000"/>
+              </a:lnSpc>
+              <a:buNone/>
+              <a:tabLst>
+                <a:tab algn="l" pos="0"/>
+              </a:tabLst>
+            </a:pPr>
+            <a:fld id="{CBCF0660-5C24-4A7C-BE4D-76BEAF5DC76D}" type="slidenum">
+              <a:rPr b="0" lang="en-US" sz="1200" spc="-1" strike="noStrike">
+                <a:solidFill>
+                  <a:srgbClr val="000000"/>
+                </a:solidFill>
+                <a:latin typeface="Times New Roman"/>
+              </a:rPr>
+              <a:t>&lt;number&gt;</a:t>
+            </a:fld>
+            <a:endParaRPr b="0" lang="en-US" sz="1200" spc="-1" strike="noStrike">
+              <a:solidFill>
+                <a:srgbClr val="000000"/>
+              </a:solidFill>
+              <a:latin typeface="Times New Roman"/>
+            </a:endParaRPr>
+          </a:p>
+        </p:txBody>
+      </p:sp>
+    </p:spTree>
+  </p:cSld>
+</p:notes>
+</file>
+
+<file path=ppt/notesSlides/notesSlide6.xml><?xml version="1.0" encoding="utf-8"?>
+<p:notes xmlns:a="http://schemas.openxmlformats.org/drawingml/2006/main" xmlns:p="http://schemas.openxmlformats.org/presentationml/2006/main" xmlns:r="http://schemas.openxmlformats.org/officeDocument/2006/relationships" xmlns:p14="http://schemas.microsoft.com/office/powerpoint/2010/main" xmlns:p15="http://schemas.microsoft.com/office/powerpoint/2012/main" xmlns:mc="http://schemas.openxmlformats.org/markup-compatibility/2006">
+  <p:cSld>
+    <p:spTree>
+      <p:nvGrpSpPr>
+        <p:cNvPr id="1" name=""/>
+        <p:cNvGrpSpPr/>
+        <p:nvPr/>
+      </p:nvGrpSpPr>
+      <p:grpSpPr>
+        <a:xfrm>
+          <a:off x="0" y="0"/>
+          <a:ext cx="0" cy="0"/>
+          <a:chOff x="0" y="0"/>
+          <a:chExt cx="0" cy="0"/>
+        </a:xfrm>
+      </p:grpSpPr>
+      <p:sp>
+        <p:nvSpPr>
+          <p:cNvPr id="94" name="PlaceHolder 1"/>
+          <p:cNvSpPr>
+            <a:spLocks noGrp="1"/>
+          </p:cNvSpPr>
+          <p:nvPr>
+            <p:ph type="sldImg"/>
+          </p:nvPr>
+        </p:nvSpPr>
+        <p:spPr>
+          <a:xfrm>
+            <a:off x="685800" y="1143000"/>
+            <a:ext cx="5485680" cy="3085560"/>
+          </a:xfrm>
+          <a:prstGeom prst="rect">
+            <a:avLst/>
+          </a:prstGeom>
+          <a:ln w="0">
+            <a:noFill/>
+          </a:ln>
+        </p:spPr>
+      </p:sp>
+      <p:sp>
+        <p:nvSpPr>
+          <p:cNvPr id="95" name="PlaceHolder 2"/>
+          <p:cNvSpPr>
+            <a:spLocks noGrp="1"/>
+          </p:cNvSpPr>
+          <p:nvPr>
+            <p:ph type="body"/>
+          </p:nvPr>
+        </p:nvSpPr>
+        <p:spPr>
+          <a:xfrm>
+            <a:off x="685800" y="4400640"/>
+            <a:ext cx="5485680" cy="3599640"/>
+          </a:xfrm>
+          <a:prstGeom prst="rect">
+            <a:avLst/>
+          </a:prstGeom>
+          <a:noFill/>
+          <a:ln w="0">
+            <a:noFill/>
+          </a:ln>
+        </p:spPr>
+        <p:txBody>
+          <a:bodyPr lIns="91440" rIns="91440" tIns="45720" bIns="45720" anchor="t">
+            <a:noAutofit/>
+          </a:bodyPr>
+          <a:p>
+            <a:pPr marL="216000" indent="-216000">
+              <a:buNone/>
+            </a:pPr>
+            <a:endParaRPr b="0" lang="en-US" sz="1800" spc="-1" strike="noStrike">
+              <a:solidFill>
+                <a:srgbClr val="000000"/>
+              </a:solidFill>
+              <a:latin typeface="Arial"/>
+            </a:endParaRPr>
+          </a:p>
+        </p:txBody>
+      </p:sp>
+      <p:sp>
+        <p:nvSpPr>
+          <p:cNvPr id="96" name="PlaceHolder 3"/>
+          <p:cNvSpPr>
+            <a:spLocks noGrp="1"/>
+          </p:cNvSpPr>
+          <p:nvPr>
+            <p:ph type="sldNum" idx="9"/>
+          </p:nvPr>
+        </p:nvSpPr>
+        <p:spPr>
+          <a:xfrm>
+            <a:off x="3884760" y="8685360"/>
+            <a:ext cx="2971080" cy="457920"/>
+          </a:xfrm>
+          <a:prstGeom prst="rect">
+            <a:avLst/>
+          </a:prstGeom>
+          <a:noFill/>
+          <a:ln w="0">
+            <a:noFill/>
+          </a:ln>
+        </p:spPr>
+        <p:txBody>
+          <a:bodyPr lIns="91440" rIns="91440" tIns="45720" bIns="45720" anchor="b">
+            <a:noAutofit/>
+          </a:bodyPr>
+          <a:lstStyle>
+            <a:lvl1pPr indent="0" algn="r">
+              <a:lnSpc>
+                <a:spcPct val="100000"/>
+              </a:lnSpc>
+              <a:buNone/>
+              <a:tabLst>
+                <a:tab algn="l" pos="0"/>
+              </a:tabLst>
+              <a:defRPr b="0" lang="en-US" sz="1200" spc="-1" strike="noStrike">
+                <a:solidFill>
+                  <a:srgbClr val="000000"/>
+                </a:solidFill>
+                <a:latin typeface="Times New Roman"/>
+              </a:defRPr>
+            </a:lvl1pPr>
+          </a:lstStyle>
+          <a:p>
+            <a:pPr indent="0" algn="r">
+              <a:lnSpc>
+                <a:spcPct val="100000"/>
+              </a:lnSpc>
+              <a:buNone/>
+              <a:tabLst>
+                <a:tab algn="l" pos="0"/>
+              </a:tabLst>
+            </a:pPr>
+            <a:fld id="{0BB5E6E3-227D-40B9-8F4B-0BC6E1A92A28}" type="slidenum">
+              <a:rPr b="0" lang="en-US" sz="1200" spc="-1" strike="noStrike">
+                <a:solidFill>
+                  <a:srgbClr val="000000"/>
+                </a:solidFill>
+                <a:latin typeface="Times New Roman"/>
+              </a:rPr>
+              <a:t>&lt;number&gt;</a:t>
+            </a:fld>
+            <a:endParaRPr b="0" lang="en-US" sz="1200" spc="-1" strike="noStrike">
+              <a:solidFill>
+                <a:srgbClr val="000000"/>
+              </a:solidFill>
+              <a:latin typeface="Times New Roman"/>
+            </a:endParaRPr>
+          </a:p>
+        </p:txBody>
+      </p:sp>
+    </p:spTree>
+  </p:cSld>
+</p:notes>
+</file>
+
+<file path=ppt/notesSlides/notesSlide7.xml><?xml version="1.0" encoding="utf-8"?>
+<p:notes xmlns:a="http://schemas.openxmlformats.org/drawingml/2006/main" xmlns:p="http://schemas.openxmlformats.org/presentationml/2006/main" xmlns:r="http://schemas.openxmlformats.org/officeDocument/2006/relationships" xmlns:p14="http://schemas.microsoft.com/office/powerpoint/2010/main" xmlns:p15="http://schemas.microsoft.com/office/powerpoint/2012/main" xmlns:mc="http://schemas.openxmlformats.org/markup-compatibility/2006">
+  <p:cSld>
+    <p:spTree>
+      <p:nvGrpSpPr>
+        <p:cNvPr id="1" name=""/>
+        <p:cNvGrpSpPr/>
+        <p:nvPr/>
+      </p:nvGrpSpPr>
+      <p:grpSpPr>
+        <a:xfrm>
+          <a:off x="0" y="0"/>
+          <a:ext cx="0" cy="0"/>
+          <a:chOff x="0" y="0"/>
+          <a:chExt cx="0" cy="0"/>
+        </a:xfrm>
+      </p:grpSpPr>
+      <p:sp>
+        <p:nvSpPr>
+          <p:cNvPr id="97" name="PlaceHolder 1"/>
+          <p:cNvSpPr>
+            <a:spLocks noGrp="1"/>
+          </p:cNvSpPr>
+          <p:nvPr>
+            <p:ph type="sldImg"/>
+          </p:nvPr>
+        </p:nvSpPr>
+        <p:spPr>
+          <a:xfrm>
+            <a:off x="685800" y="1143000"/>
+            <a:ext cx="5485680" cy="3085560"/>
+          </a:xfrm>
+          <a:prstGeom prst="rect">
+            <a:avLst/>
+          </a:prstGeom>
+          <a:ln w="0">
+            <a:noFill/>
+          </a:ln>
+        </p:spPr>
+      </p:sp>
+      <p:sp>
+        <p:nvSpPr>
+          <p:cNvPr id="98" name="PlaceHolder 2"/>
+          <p:cNvSpPr>
+            <a:spLocks noGrp="1"/>
+          </p:cNvSpPr>
+          <p:nvPr>
+            <p:ph type="body"/>
+          </p:nvPr>
+        </p:nvSpPr>
+        <p:spPr>
+          <a:xfrm>
+            <a:off x="685800" y="4400640"/>
+            <a:ext cx="5485680" cy="3599640"/>
+          </a:xfrm>
+          <a:prstGeom prst="rect">
+            <a:avLst/>
+          </a:prstGeom>
+          <a:noFill/>
+          <a:ln w="0">
+            <a:noFill/>
+          </a:ln>
+        </p:spPr>
+        <p:txBody>
+          <a:bodyPr lIns="91440" rIns="91440" tIns="45720" bIns="45720" anchor="t">
+            <a:noAutofit/>
+          </a:bodyPr>
+          <a:p>
+            <a:pPr marL="216000" indent="-216000">
+              <a:buNone/>
+            </a:pPr>
+            <a:endParaRPr b="0" lang="en-US" sz="1800" spc="-1" strike="noStrike">
+              <a:solidFill>
+                <a:srgbClr val="000000"/>
+              </a:solidFill>
+              <a:latin typeface="Arial"/>
+            </a:endParaRPr>
+          </a:p>
+        </p:txBody>
+      </p:sp>
+      <p:sp>
+        <p:nvSpPr>
+          <p:cNvPr id="99" name="PlaceHolder 3"/>
+          <p:cNvSpPr>
+            <a:spLocks noGrp="1"/>
+          </p:cNvSpPr>
+          <p:nvPr>
+            <p:ph type="sldNum" idx="10"/>
+          </p:nvPr>
+        </p:nvSpPr>
+        <p:spPr>
+          <a:xfrm>
+            <a:off x="3884760" y="8685360"/>
+            <a:ext cx="2971080" cy="457920"/>
+          </a:xfrm>
+          <a:prstGeom prst="rect">
+            <a:avLst/>
+          </a:prstGeom>
+          <a:noFill/>
+          <a:ln w="0">
+            <a:noFill/>
+          </a:ln>
+        </p:spPr>
+        <p:txBody>
+          <a:bodyPr lIns="91440" rIns="91440" tIns="45720" bIns="45720" anchor="b">
+            <a:noAutofit/>
+          </a:bodyPr>
+          <a:lstStyle>
+            <a:lvl1pPr indent="0" algn="r">
+              <a:lnSpc>
+                <a:spcPct val="100000"/>
+              </a:lnSpc>
+              <a:buNone/>
+              <a:tabLst>
+                <a:tab algn="l" pos="0"/>
+              </a:tabLst>
+              <a:defRPr b="0" lang="en-US" sz="1200" spc="-1" strike="noStrike">
+                <a:solidFill>
+                  <a:srgbClr val="000000"/>
+                </a:solidFill>
+                <a:latin typeface="Times New Roman"/>
+              </a:defRPr>
+            </a:lvl1pPr>
+          </a:lstStyle>
+          <a:p>
+            <a:pPr indent="0" algn="r">
+              <a:lnSpc>
+                <a:spcPct val="100000"/>
+              </a:lnSpc>
+              <a:buNone/>
+              <a:tabLst>
+                <a:tab algn="l" pos="0"/>
+              </a:tabLst>
+            </a:pPr>
+            <a:fld id="{4292E60C-EB22-479E-9D33-ECA0DF8521C1}" type="slidenum">
+              <a:rPr b="0" lang="en-US" sz="1200" spc="-1" strike="noStrike">
+                <a:solidFill>
+                  <a:srgbClr val="000000"/>
+                </a:solidFill>
+                <a:latin typeface="Times New Roman"/>
+              </a:rPr>
+              <a:t>&lt;number&gt;</a:t>
+            </a:fld>
+            <a:endParaRPr b="0" lang="en-US" sz="1200" spc="-1" strike="noStrike">
+              <a:solidFill>
+                <a:srgbClr val="000000"/>
+              </a:solidFill>
+              <a:latin typeface="Times New Roman"/>
+            </a:endParaRPr>
+          </a:p>
+        </p:txBody>
+      </p:sp>
+    </p:spTree>
+  </p:cSld>
+</p:notes>
+</file>
+
+<file path=ppt/notesSlides/notesSlide8.xml><?xml version="1.0" encoding="utf-8"?>
+<p:notes xmlns:a="http://schemas.openxmlformats.org/drawingml/2006/main" xmlns:p="http://schemas.openxmlformats.org/presentationml/2006/main" xmlns:r="http://schemas.openxmlformats.org/officeDocument/2006/relationships" xmlns:p14="http://schemas.microsoft.com/office/powerpoint/2010/main" xmlns:p15="http://schemas.microsoft.com/office/powerpoint/2012/main" xmlns:mc="http://schemas.openxmlformats.org/markup-compatibility/2006">
+  <p:cSld>
+    <p:spTree>
+      <p:nvGrpSpPr>
+        <p:cNvPr id="1" name=""/>
+        <p:cNvGrpSpPr/>
+        <p:nvPr/>
+      </p:nvGrpSpPr>
+      <p:grpSpPr>
+        <a:xfrm>
+          <a:off x="0" y="0"/>
+          <a:ext cx="0" cy="0"/>
+          <a:chOff x="0" y="0"/>
+          <a:chExt cx="0" cy="0"/>
+        </a:xfrm>
+      </p:grpSpPr>
+      <p:sp>
+        <p:nvSpPr>
+          <p:cNvPr id="100" name="PlaceHolder 1"/>
+          <p:cNvSpPr>
+            <a:spLocks noGrp="1"/>
+          </p:cNvSpPr>
+          <p:nvPr>
+            <p:ph type="sldImg"/>
+          </p:nvPr>
+        </p:nvSpPr>
+        <p:spPr>
+          <a:xfrm>
+            <a:off x="685800" y="1143000"/>
+            <a:ext cx="5485680" cy="3085560"/>
+          </a:xfrm>
+          <a:prstGeom prst="rect">
+            <a:avLst/>
+          </a:prstGeom>
+          <a:ln w="0">
+            <a:noFill/>
+          </a:ln>
+        </p:spPr>
+      </p:sp>
+      <p:sp>
+        <p:nvSpPr>
+          <p:cNvPr id="101" name="PlaceHolder 2"/>
+          <p:cNvSpPr>
+            <a:spLocks noGrp="1"/>
+          </p:cNvSpPr>
+          <p:nvPr>
+            <p:ph type="body"/>
+          </p:nvPr>
+        </p:nvSpPr>
+        <p:spPr>
+          <a:xfrm>
+            <a:off x="685800" y="4400640"/>
+            <a:ext cx="5485680" cy="3599640"/>
+          </a:xfrm>
+          <a:prstGeom prst="rect">
+            <a:avLst/>
+          </a:prstGeom>
+          <a:noFill/>
+          <a:ln w="0">
+            <a:noFill/>
+          </a:ln>
+        </p:spPr>
+        <p:txBody>
+          <a:bodyPr lIns="91440" rIns="91440" tIns="45720" bIns="45720" anchor="t">
+            <a:noAutofit/>
+          </a:bodyPr>
+          <a:p>
+            <a:pPr marL="216000" indent="-216000">
+              <a:buNone/>
+            </a:pPr>
+            <a:endParaRPr b="0" lang="en-US" sz="1800" spc="-1" strike="noStrike">
+              <a:solidFill>
+                <a:srgbClr val="000000"/>
+              </a:solidFill>
+              <a:latin typeface="Arial"/>
+            </a:endParaRPr>
+          </a:p>
+        </p:txBody>
+      </p:sp>
+      <p:sp>
+        <p:nvSpPr>
+          <p:cNvPr id="102" name="PlaceHolder 3"/>
+          <p:cNvSpPr>
+            <a:spLocks noGrp="1"/>
+          </p:cNvSpPr>
+          <p:nvPr>
+            <p:ph type="sldNum" idx="11"/>
+          </p:nvPr>
+        </p:nvSpPr>
+        <p:spPr>
+          <a:xfrm>
+            <a:off x="3884760" y="8685360"/>
+            <a:ext cx="2971080" cy="457920"/>
+          </a:xfrm>
+          <a:prstGeom prst="rect">
+            <a:avLst/>
+          </a:prstGeom>
+          <a:noFill/>
+          <a:ln w="0">
+            <a:noFill/>
+          </a:ln>
+        </p:spPr>
+        <p:txBody>
+          <a:bodyPr lIns="91440" rIns="91440" tIns="45720" bIns="45720" anchor="b">
+            <a:noAutofit/>
+          </a:bodyPr>
+          <a:lstStyle>
+            <a:lvl1pPr indent="0" algn="r">
+              <a:lnSpc>
+                <a:spcPct val="100000"/>
+              </a:lnSpc>
+              <a:buNone/>
+              <a:tabLst>
+                <a:tab algn="l" pos="0"/>
+              </a:tabLst>
+              <a:defRPr b="0" lang="en-US" sz="1200" spc="-1" strike="noStrike">
+                <a:solidFill>
+                  <a:srgbClr val="000000"/>
+                </a:solidFill>
+                <a:latin typeface="Times New Roman"/>
+              </a:defRPr>
+            </a:lvl1pPr>
+          </a:lstStyle>
+          <a:p>
+            <a:pPr indent="0" algn="r">
+              <a:lnSpc>
+                <a:spcPct val="100000"/>
+              </a:lnSpc>
+              <a:buNone/>
+              <a:tabLst>
+                <a:tab algn="l" pos="0"/>
+              </a:tabLst>
+            </a:pPr>
+            <a:fld id="{860CDE82-3E68-47D0-8BB1-5CAA7F8127BE}" type="slidenum">
+              <a:rPr b="0" lang="en-US" sz="1200" spc="-1" strike="noStrike">
+                <a:solidFill>
+                  <a:srgbClr val="000000"/>
+                </a:solidFill>
+                <a:latin typeface="Times New Roman"/>
+              </a:rPr>
+              <a:t>&lt;number&gt;</a:t>
+            </a:fld>
+            <a:endParaRPr b="0" lang="en-US" sz="1200" spc="-1" strike="noStrike">
+              <a:solidFill>
+                <a:srgbClr val="000000"/>
+              </a:solidFill>
+              <a:latin typeface="Times New Roman"/>
+            </a:endParaRPr>
+          </a:p>
+        </p:txBody>
+      </p:sp>
+    </p:spTree>
+  </p:cSld>
+</p:notes>
+</file>
+
+<file path=ppt/notesSlides/notesSlide9.xml><?xml version="1.0" encoding="utf-8"?>
+<p:notes xmlns:a="http://schemas.openxmlformats.org/drawingml/2006/main" xmlns:p="http://schemas.openxmlformats.org/presentationml/2006/main" xmlns:r="http://schemas.openxmlformats.org/officeDocument/2006/relationships" xmlns:p14="http://schemas.microsoft.com/office/powerpoint/2010/main" xmlns:p15="http://schemas.microsoft.com/office/powerpoint/2012/main" xmlns:mc="http://schemas.openxmlformats.org/markup-compatibility/2006">
+  <p:cSld>
+    <p:spTree>
+      <p:nvGrpSpPr>
+        <p:cNvPr id="1" name=""/>
+        <p:cNvGrpSpPr/>
+        <p:nvPr/>
+      </p:nvGrpSpPr>
+      <p:grpSpPr>
+        <a:xfrm>
+          <a:off x="0" y="0"/>
+          <a:ext cx="0" cy="0"/>
+          <a:chOff x="0" y="0"/>
+          <a:chExt cx="0" cy="0"/>
+        </a:xfrm>
+      </p:grpSpPr>
+      <p:sp>
+        <p:nvSpPr>
+          <p:cNvPr id="103" name="PlaceHolder 1"/>
+          <p:cNvSpPr>
+            <a:spLocks noGrp="1"/>
+          </p:cNvSpPr>
+          <p:nvPr>
+            <p:ph type="sldImg"/>
+          </p:nvPr>
+        </p:nvSpPr>
+        <p:spPr>
+          <a:xfrm>
+            <a:off x="685800" y="1143000"/>
+            <a:ext cx="5485680" cy="3085560"/>
+          </a:xfrm>
+          <a:prstGeom prst="rect">
+            <a:avLst/>
+          </a:prstGeom>
+          <a:ln w="0">
+            <a:noFill/>
+          </a:ln>
+        </p:spPr>
+      </p:sp>
+      <p:sp>
+        <p:nvSpPr>
+          <p:cNvPr id="104" name="PlaceHolder 2"/>
+          <p:cNvSpPr>
+            <a:spLocks noGrp="1"/>
+          </p:cNvSpPr>
+          <p:nvPr>
+            <p:ph type="body"/>
+          </p:nvPr>
+        </p:nvSpPr>
+        <p:spPr>
+          <a:xfrm>
+            <a:off x="685800" y="4400640"/>
+            <a:ext cx="5485680" cy="3599640"/>
+          </a:xfrm>
+          <a:prstGeom prst="rect">
+            <a:avLst/>
+          </a:prstGeom>
+          <a:noFill/>
+          <a:ln w="0">
+            <a:noFill/>
+          </a:ln>
+        </p:spPr>
+        <p:txBody>
+          <a:bodyPr lIns="91440" rIns="91440" tIns="45720" bIns="45720" anchor="t">
+            <a:noAutofit/>
+          </a:bodyPr>
+          <a:p>
+            <a:pPr marL="216000" indent="-216000">
+              <a:buNone/>
+            </a:pPr>
+            <a:endParaRPr b="0" lang="en-US" sz="1800" spc="-1" strike="noStrike">
+              <a:solidFill>
+                <a:srgbClr val="000000"/>
+              </a:solidFill>
+              <a:latin typeface="Arial"/>
+            </a:endParaRPr>
+          </a:p>
+        </p:txBody>
+      </p:sp>
+      <p:sp>
+        <p:nvSpPr>
+          <p:cNvPr id="105" name="PlaceHolder 3"/>
+          <p:cNvSpPr>
+            <a:spLocks noGrp="1"/>
+          </p:cNvSpPr>
+          <p:nvPr>
+            <p:ph type="sldNum" idx="12"/>
+          </p:nvPr>
+        </p:nvSpPr>
+        <p:spPr>
+          <a:xfrm>
+            <a:off x="3884760" y="8685360"/>
+            <a:ext cx="2971080" cy="457920"/>
+          </a:xfrm>
+          <a:prstGeom prst="rect">
+            <a:avLst/>
+          </a:prstGeom>
+          <a:noFill/>
+          <a:ln w="0">
+            <a:noFill/>
+          </a:ln>
+        </p:spPr>
+        <p:txBody>
+          <a:bodyPr lIns="91440" rIns="91440" tIns="45720" bIns="45720" anchor="b">
+            <a:noAutofit/>
+          </a:bodyPr>
+          <a:lstStyle>
+            <a:lvl1pPr indent="0" algn="r">
+              <a:lnSpc>
+                <a:spcPct val="100000"/>
+              </a:lnSpc>
+              <a:buNone/>
+              <a:tabLst>
+                <a:tab algn="l" pos="0"/>
+              </a:tabLst>
+              <a:defRPr b="0" lang="en-US" sz="1200" spc="-1" strike="noStrike">
+                <a:solidFill>
+                  <a:srgbClr val="000000"/>
+                </a:solidFill>
+                <a:latin typeface="Times New Roman"/>
+              </a:defRPr>
+            </a:lvl1pPr>
+          </a:lstStyle>
+          <a:p>
+            <a:pPr indent="0" algn="r">
+              <a:lnSpc>
+                <a:spcPct val="100000"/>
+              </a:lnSpc>
+              <a:buNone/>
+              <a:tabLst>
+                <a:tab algn="l" pos="0"/>
+              </a:tabLst>
+            </a:pPr>
+            <a:fld id="{1564B799-2BB8-4D2F-BCED-4BADFD441667}" type="slidenum">
               <a:rPr b="0" lang="en-US" sz="1200" spc="-1" strike="noStrike">
                 <a:solidFill>
                   <a:srgbClr val="000000"/>
@@ -1143,7 +2124,7 @@
         <p:spPr>
           <a:xfrm>
             <a:off x="0" y="0"/>
-            <a:ext cx="14630040" cy="8229240"/>
+            <a:ext cx="14629680" cy="8228880"/>
           </a:xfrm>
           <a:prstGeom prst="rect">
             <a:avLst/>
@@ -1166,6 +2147,11 @@
             <a:noAutofit/>
           </a:bodyPr>
           <a:p>
+            <a:pPr>
+              <a:lnSpc>
+                <a:spcPct val="100000"/>
+              </a:lnSpc>
+            </a:pPr>
             <a:endParaRPr b="0" lang="en-US" sz="1800" spc="-1" strike="noStrike">
               <a:solidFill>
                 <a:srgbClr val="ffffff"/>
@@ -1184,7 +2170,7 @@
         <p:spPr>
           <a:xfrm>
             <a:off x="0" y="0"/>
-            <a:ext cx="14630040" cy="8229240"/>
+            <a:ext cx="14629680" cy="8228880"/>
           </a:xfrm>
           <a:prstGeom prst="rect">
             <a:avLst/>
@@ -1207,6 +2193,11 @@
             <a:noAutofit/>
           </a:bodyPr>
           <a:p>
+            <a:pPr>
+              <a:lnSpc>
+                <a:spcPct val="100000"/>
+              </a:lnSpc>
+            </a:pPr>
             <a:endParaRPr b="0" lang="en-US" sz="1800" spc="-1" strike="noStrike">
               <a:solidFill>
                 <a:srgbClr val="000000"/>
@@ -1231,7 +2222,7 @@
         <p:spPr>
           <a:xfrm>
             <a:off x="12839040" y="7749720"/>
-            <a:ext cx="1722240" cy="411120"/>
+            <a:ext cx="1721880" cy="410760"/>
           </a:xfrm>
           <a:prstGeom prst="rect">
             <a:avLst/>
@@ -1275,323 +2266,305 @@
             <a:r>
               <a:rPr b="0" lang="en-US" sz="4400" spc="-1" strike="noStrike">
                 <a:solidFill>
-                  <a:schemeClr val="dk1"/>
-                </a:solidFill>
-                <a:latin typeface="Calibri Light"/>
+                  <a:srgbClr val="000000"/>
+                </a:solidFill>
+                <a:latin typeface="Arial"/>
               </a:rPr>
               <a:t>C</a:t>
             </a:r>
             <a:r>
               <a:rPr b="0" lang="en-US" sz="4400" spc="-1" strike="noStrike">
                 <a:solidFill>
-                  <a:schemeClr val="dk1"/>
-                </a:solidFill>
-                <a:latin typeface="Calibri Light"/>
+                  <a:srgbClr val="000000"/>
+                </a:solidFill>
+                <a:latin typeface="Arial"/>
               </a:rPr>
               <a:t>l</a:t>
             </a:r>
             <a:r>
               <a:rPr b="0" lang="en-US" sz="4400" spc="-1" strike="noStrike">
                 <a:solidFill>
-                  <a:schemeClr val="dk1"/>
-                </a:solidFill>
-                <a:latin typeface="Calibri Light"/>
+                  <a:srgbClr val="000000"/>
+                </a:solidFill>
+                <a:latin typeface="Arial"/>
               </a:rPr>
               <a:t>i</a:t>
             </a:r>
             <a:r>
               <a:rPr b="0" lang="en-US" sz="4400" spc="-1" strike="noStrike">
                 <a:solidFill>
-                  <a:schemeClr val="dk1"/>
-                </a:solidFill>
-                <a:latin typeface="Calibri Light"/>
+                  <a:srgbClr val="000000"/>
+                </a:solidFill>
+                <a:latin typeface="Arial"/>
               </a:rPr>
               <a:t>c</a:t>
             </a:r>
             <a:r>
               <a:rPr b="0" lang="en-US" sz="4400" spc="-1" strike="noStrike">
                 <a:solidFill>
-                  <a:schemeClr val="dk1"/>
-                </a:solidFill>
-                <a:latin typeface="Calibri Light"/>
+                  <a:srgbClr val="000000"/>
+                </a:solidFill>
+                <a:latin typeface="Arial"/>
               </a:rPr>
               <a:t>k</a:t>
             </a:r>
             <a:r>
               <a:rPr b="0" lang="en-US" sz="4400" spc="-1" strike="noStrike">
                 <a:solidFill>
-                  <a:schemeClr val="dk1"/>
-                </a:solidFill>
-                <a:latin typeface="Calibri Light"/>
+                  <a:srgbClr val="000000"/>
+                </a:solidFill>
+                <a:latin typeface="Arial"/>
               </a:rPr>
               <a:t> </a:t>
             </a:r>
             <a:r>
               <a:rPr b="0" lang="en-US" sz="4400" spc="-1" strike="noStrike">
                 <a:solidFill>
-                  <a:schemeClr val="dk1"/>
-                </a:solidFill>
-                <a:latin typeface="Calibri Light"/>
+                  <a:srgbClr val="000000"/>
+                </a:solidFill>
+                <a:latin typeface="Arial"/>
               </a:rPr>
               <a:t>t</a:t>
             </a:r>
             <a:r>
               <a:rPr b="0" lang="en-US" sz="4400" spc="-1" strike="noStrike">
                 <a:solidFill>
-                  <a:schemeClr val="dk1"/>
-                </a:solidFill>
-                <a:latin typeface="Calibri Light"/>
+                  <a:srgbClr val="000000"/>
+                </a:solidFill>
+                <a:latin typeface="Arial"/>
               </a:rPr>
               <a:t>o</a:t>
             </a:r>
             <a:r>
               <a:rPr b="0" lang="en-US" sz="4400" spc="-1" strike="noStrike">
                 <a:solidFill>
-                  <a:schemeClr val="dk1"/>
-                </a:solidFill>
-                <a:latin typeface="Calibri Light"/>
+                  <a:srgbClr val="000000"/>
+                </a:solidFill>
+                <a:latin typeface="Arial"/>
               </a:rPr>
               <a:t> </a:t>
             </a:r>
             <a:r>
               <a:rPr b="0" lang="en-US" sz="4400" spc="-1" strike="noStrike">
                 <a:solidFill>
-                  <a:schemeClr val="dk1"/>
-                </a:solidFill>
-                <a:latin typeface="Calibri Light"/>
+                  <a:srgbClr val="000000"/>
+                </a:solidFill>
+                <a:latin typeface="Arial"/>
               </a:rPr>
               <a:t>e</a:t>
             </a:r>
             <a:r>
               <a:rPr b="0" lang="en-US" sz="4400" spc="-1" strike="noStrike">
                 <a:solidFill>
-                  <a:schemeClr val="dk1"/>
-                </a:solidFill>
-                <a:latin typeface="Calibri Light"/>
+                  <a:srgbClr val="000000"/>
+                </a:solidFill>
+                <a:latin typeface="Arial"/>
               </a:rPr>
               <a:t>d</a:t>
             </a:r>
             <a:r>
               <a:rPr b="0" lang="en-US" sz="4400" spc="-1" strike="noStrike">
                 <a:solidFill>
-                  <a:schemeClr val="dk1"/>
-                </a:solidFill>
-                <a:latin typeface="Calibri Light"/>
+                  <a:srgbClr val="000000"/>
+                </a:solidFill>
+                <a:latin typeface="Arial"/>
               </a:rPr>
               <a:t>i</a:t>
             </a:r>
             <a:r>
               <a:rPr b="0" lang="en-US" sz="4400" spc="-1" strike="noStrike">
                 <a:solidFill>
-                  <a:schemeClr val="dk1"/>
-                </a:solidFill>
-                <a:latin typeface="Calibri Light"/>
+                  <a:srgbClr val="000000"/>
+                </a:solidFill>
+                <a:latin typeface="Arial"/>
+              </a:rPr>
+              <a:t>t </a:t>
+            </a:r>
+            <a:r>
+              <a:rPr b="0" lang="en-US" sz="4400" spc="-1" strike="noStrike">
+                <a:solidFill>
+                  <a:srgbClr val="000000"/>
+                </a:solidFill>
+                <a:latin typeface="Arial"/>
               </a:rPr>
               <a:t>t</a:t>
             </a:r>
             <a:r>
               <a:rPr b="0" lang="en-US" sz="4400" spc="-1" strike="noStrike">
                 <a:solidFill>
-                  <a:schemeClr val="dk1"/>
-                </a:solidFill>
-                <a:latin typeface="Calibri Light"/>
+                  <a:srgbClr val="000000"/>
+                </a:solidFill>
+                <a:latin typeface="Arial"/>
+              </a:rPr>
+              <a:t>h</a:t>
+            </a:r>
+            <a:r>
+              <a:rPr b="0" lang="en-US" sz="4400" spc="-1" strike="noStrike">
+                <a:solidFill>
+                  <a:srgbClr val="000000"/>
+                </a:solidFill>
+                <a:latin typeface="Arial"/>
+              </a:rPr>
+              <a:t>e</a:t>
+            </a:r>
+            <a:r>
+              <a:rPr b="0" lang="en-US" sz="4400" spc="-1" strike="noStrike">
+                <a:solidFill>
+                  <a:srgbClr val="000000"/>
+                </a:solidFill>
+                <a:latin typeface="Arial"/>
               </a:rPr>
               <a:t> </a:t>
             </a:r>
             <a:r>
               <a:rPr b="0" lang="en-US" sz="4400" spc="-1" strike="noStrike">
                 <a:solidFill>
-                  <a:schemeClr val="dk1"/>
-                </a:solidFill>
-                <a:latin typeface="Calibri Light"/>
+                  <a:srgbClr val="000000"/>
+                </a:solidFill>
+                <a:latin typeface="Arial"/>
               </a:rPr>
               <a:t>t</a:t>
             </a:r>
             <a:r>
               <a:rPr b="0" lang="en-US" sz="4400" spc="-1" strike="noStrike">
                 <a:solidFill>
-                  <a:schemeClr val="dk1"/>
-                </a:solidFill>
-                <a:latin typeface="Calibri Light"/>
-              </a:rPr>
-              <a:t>h</a:t>
+                  <a:srgbClr val="000000"/>
+                </a:solidFill>
+                <a:latin typeface="Arial"/>
+              </a:rPr>
+              <a:t>i</a:t>
             </a:r>
             <a:r>
               <a:rPr b="0" lang="en-US" sz="4400" spc="-1" strike="noStrike">
                 <a:solidFill>
-                  <a:schemeClr val="dk1"/>
-                </a:solidFill>
-                <a:latin typeface="Calibri Light"/>
+                  <a:srgbClr val="000000"/>
+                </a:solidFill>
+                <a:latin typeface="Arial"/>
+              </a:rPr>
+              <a:t>t</a:t>
+            </a:r>
+            <a:r>
+              <a:rPr b="0" lang="en-US" sz="4400" spc="-1" strike="noStrike">
+                <a:solidFill>
+                  <a:srgbClr val="000000"/>
+                </a:solidFill>
+                <a:latin typeface="Arial"/>
+              </a:rPr>
+              <a:t>l</a:t>
+            </a:r>
+            <a:r>
+              <a:rPr b="0" lang="en-US" sz="4400" spc="-1" strike="noStrike">
+                <a:solidFill>
+                  <a:srgbClr val="000000"/>
+                </a:solidFill>
+                <a:latin typeface="Arial"/>
               </a:rPr>
               <a:t>e</a:t>
             </a:r>
             <a:r>
               <a:rPr b="0" lang="en-US" sz="4400" spc="-1" strike="noStrike">
                 <a:solidFill>
-                  <a:schemeClr val="dk1"/>
-                </a:solidFill>
-                <a:latin typeface="Calibri Light"/>
+                  <a:srgbClr val="000000"/>
+                </a:solidFill>
+                <a:latin typeface="Arial"/>
               </a:rPr>
               <a:t> </a:t>
             </a:r>
             <a:r>
               <a:rPr b="0" lang="en-US" sz="4400" spc="-1" strike="noStrike">
                 <a:solidFill>
-                  <a:schemeClr val="dk1"/>
-                </a:solidFill>
-                <a:latin typeface="Calibri Light"/>
+                  <a:srgbClr val="000000"/>
+                </a:solidFill>
+                <a:latin typeface="Arial"/>
               </a:rPr>
               <a:t>t</a:t>
             </a:r>
             <a:r>
               <a:rPr b="0" lang="en-US" sz="4400" spc="-1" strike="noStrike">
                 <a:solidFill>
-                  <a:schemeClr val="dk1"/>
-                </a:solidFill>
-                <a:latin typeface="Calibri Light"/>
-              </a:rPr>
-              <a:t>i</a:t>
+                  <a:srgbClr val="000000"/>
+                </a:solidFill>
+                <a:latin typeface="Arial"/>
+              </a:rPr>
+              <a:t>e</a:t>
             </a:r>
             <a:r>
               <a:rPr b="0" lang="en-US" sz="4400" spc="-1" strike="noStrike">
                 <a:solidFill>
-                  <a:schemeClr val="dk1"/>
-                </a:solidFill>
-                <a:latin typeface="Calibri Light"/>
+                  <a:srgbClr val="000000"/>
+                </a:solidFill>
+                <a:latin typeface="Arial"/>
+              </a:rPr>
+              <a:t>x</a:t>
+            </a:r>
+            <a:r>
+              <a:rPr b="0" lang="en-US" sz="4400" spc="-1" strike="noStrike">
+                <a:solidFill>
+                  <a:srgbClr val="000000"/>
+                </a:solidFill>
+                <a:latin typeface="Arial"/>
+              </a:rPr>
+              <a:t>t </a:t>
+            </a:r>
+            <a:r>
+              <a:rPr b="0" lang="en-US" sz="4400" spc="-1" strike="noStrike">
+                <a:solidFill>
+                  <a:srgbClr val="000000"/>
+                </a:solidFill>
+                <a:latin typeface="Arial"/>
+              </a:rPr>
+              <a:t>f</a:t>
+            </a:r>
+            <a:r>
+              <a:rPr b="0" lang="en-US" sz="4400" spc="-1" strike="noStrike">
+                <a:solidFill>
+                  <a:srgbClr val="000000"/>
+                </a:solidFill>
+                <a:latin typeface="Arial"/>
+              </a:rPr>
+              <a:t>o</a:t>
+            </a:r>
+            <a:r>
+              <a:rPr b="0" lang="en-US" sz="4400" spc="-1" strike="noStrike">
+                <a:solidFill>
+                  <a:srgbClr val="000000"/>
+                </a:solidFill>
+                <a:latin typeface="Arial"/>
+              </a:rPr>
+              <a:t>r</a:t>
+            </a:r>
+            <a:r>
+              <a:rPr b="0" lang="en-US" sz="4400" spc="-1" strike="noStrike">
+                <a:solidFill>
+                  <a:srgbClr val="000000"/>
+                </a:solidFill>
+                <a:latin typeface="Arial"/>
+              </a:rPr>
+              <a:t>m</a:t>
+            </a:r>
+            <a:r>
+              <a:rPr b="0" lang="en-US" sz="4400" spc="-1" strike="noStrike">
+                <a:solidFill>
+                  <a:srgbClr val="000000"/>
+                </a:solidFill>
+                <a:latin typeface="Arial"/>
+              </a:rPr>
+              <a:t>a</a:t>
+            </a:r>
+            <a:r>
+              <a:rPr b="0" lang="en-US" sz="4400" spc="-1" strike="noStrike">
+                <a:solidFill>
+                  <a:srgbClr val="000000"/>
+                </a:solidFill>
+                <a:latin typeface="Arial"/>
               </a:rPr>
               <a:t>t</a:t>
             </a:r>
-            <a:r>
-              <a:rPr b="0" lang="en-US" sz="4400" spc="-1" strike="noStrike">
-                <a:solidFill>
-                  <a:schemeClr val="dk1"/>
-                </a:solidFill>
-                <a:latin typeface="Calibri Light"/>
-              </a:rPr>
-              <a:t>l</a:t>
-            </a:r>
-            <a:r>
-              <a:rPr b="0" lang="en-US" sz="4400" spc="-1" strike="noStrike">
-                <a:solidFill>
-                  <a:schemeClr val="dk1"/>
-                </a:solidFill>
-                <a:latin typeface="Calibri Light"/>
-              </a:rPr>
-              <a:t>e</a:t>
-            </a:r>
-            <a:r>
-              <a:rPr b="0" lang="en-US" sz="4400" spc="-1" strike="noStrike">
-                <a:solidFill>
-                  <a:schemeClr val="dk1"/>
-                </a:solidFill>
-                <a:latin typeface="Calibri Light"/>
-              </a:rPr>
-              <a:t> </a:t>
-            </a:r>
-            <a:r>
-              <a:rPr b="0" lang="en-US" sz="4400" spc="-1" strike="noStrike">
-                <a:solidFill>
-                  <a:schemeClr val="dk1"/>
-                </a:solidFill>
-                <a:latin typeface="Calibri Light"/>
-              </a:rPr>
-              <a:t>t</a:t>
-            </a:r>
-            <a:r>
-              <a:rPr b="0" lang="en-US" sz="4400" spc="-1" strike="noStrike">
-                <a:solidFill>
-                  <a:schemeClr val="dk1"/>
-                </a:solidFill>
-                <a:latin typeface="Calibri Light"/>
-              </a:rPr>
-              <a:t>e</a:t>
-            </a:r>
-            <a:r>
-              <a:rPr b="0" lang="en-US" sz="4400" spc="-1" strike="noStrike">
-                <a:solidFill>
-                  <a:schemeClr val="dk1"/>
-                </a:solidFill>
-                <a:latin typeface="Calibri Light"/>
-              </a:rPr>
-              <a:t>x</a:t>
-            </a:r>
-            <a:r>
-              <a:rPr b="0" lang="en-US" sz="4400" spc="-1" strike="noStrike">
-                <a:solidFill>
-                  <a:schemeClr val="dk1"/>
-                </a:solidFill>
-                <a:latin typeface="Calibri Light"/>
-              </a:rPr>
-              <a:t>t</a:t>
-            </a:r>
-            <a:r>
-              <a:rPr b="0" lang="en-US" sz="4400" spc="-1" strike="noStrike">
-                <a:solidFill>
-                  <a:schemeClr val="dk1"/>
-                </a:solidFill>
-                <a:latin typeface="Calibri Light"/>
-              </a:rPr>
-              <a:t> </a:t>
-            </a:r>
-            <a:r>
-              <a:rPr b="0" lang="en-US" sz="4400" spc="-1" strike="noStrike">
-                <a:solidFill>
-                  <a:schemeClr val="dk1"/>
-                </a:solidFill>
-                <a:latin typeface="Calibri Light"/>
-              </a:rPr>
-              <a:t>f</a:t>
-            </a:r>
-            <a:r>
-              <a:rPr b="0" lang="en-US" sz="4400" spc="-1" strike="noStrike">
-                <a:solidFill>
-                  <a:schemeClr val="dk1"/>
-                </a:solidFill>
-                <a:latin typeface="Calibri Light"/>
-              </a:rPr>
-              <a:t>o</a:t>
-            </a:r>
-            <a:r>
-              <a:rPr b="0" lang="en-US" sz="4400" spc="-1" strike="noStrike">
-                <a:solidFill>
-                  <a:schemeClr val="dk1"/>
-                </a:solidFill>
-                <a:latin typeface="Calibri Light"/>
-              </a:rPr>
-              <a:t>r</a:t>
-            </a:r>
-            <a:r>
-              <a:rPr b="0" lang="en-US" sz="4400" spc="-1" strike="noStrike">
-                <a:solidFill>
-                  <a:schemeClr val="dk1"/>
-                </a:solidFill>
-                <a:latin typeface="Calibri Light"/>
-              </a:rPr>
-              <a:t>m</a:t>
-            </a:r>
-            <a:r>
-              <a:rPr b="0" lang="en-US" sz="4400" spc="-1" strike="noStrike">
-                <a:solidFill>
-                  <a:schemeClr val="dk1"/>
-                </a:solidFill>
-                <a:latin typeface="Calibri Light"/>
-              </a:rPr>
-              <a:t>a</a:t>
-            </a:r>
-            <a:r>
-              <a:rPr b="0" lang="en-US" sz="4400" spc="-1" strike="noStrike">
-                <a:solidFill>
-                  <a:schemeClr val="dk1"/>
-                </a:solidFill>
-                <a:latin typeface="Calibri Light"/>
-              </a:rPr>
-              <a:t>t</a:t>
-            </a:r>
             <a:endParaRPr b="0" lang="en-US" sz="4400" spc="-1" strike="noStrike">
               <a:solidFill>
-                <a:schemeClr val="dk1"/>
-              </a:solidFill>
-              <a:latin typeface="Calibri Light"/>
+                <a:srgbClr val="000000"/>
+              </a:solidFill>
+              <a:latin typeface="Arial"/>
             </a:endParaRPr>
           </a:p>
         </p:txBody>
@@ -1638,17 +2611,17 @@
             <a:r>
               <a:rPr b="0" lang="en-US" sz="3200" spc="-1" strike="noStrike">
                 <a:solidFill>
-                  <a:schemeClr val="dk1"/>
-                </a:solidFill>
-                <a:latin typeface="Calibri"/>
+                  <a:srgbClr val="000000"/>
+                </a:solidFill>
+                <a:latin typeface="Arial"/>
               </a:rPr>
               <a:t>Click to edit the outline text format</a:t>
             </a:r>
             <a:endParaRPr b="0" lang="en-US" sz="3200" spc="-1" strike="noStrike">
               <a:solidFill>
-                <a:schemeClr val="dk1"/>
-              </a:solidFill>
-              <a:latin typeface="Calibri"/>
+                <a:srgbClr val="000000"/>
+              </a:solidFill>
+              <a:latin typeface="Arial"/>
             </a:endParaRPr>
           </a:p>
           <a:p>
@@ -1664,19 +2637,19 @@
               <a:buChar char=""/>
             </a:pPr>
             <a:r>
-              <a:rPr b="0" lang="en-US" sz="2400" spc="-1" strike="noStrike">
-                <a:solidFill>
-                  <a:schemeClr val="dk1"/>
-                </a:solidFill>
-                <a:latin typeface="Calibri"/>
+              <a:rPr b="0" lang="en-US" sz="2800" spc="-1" strike="noStrike">
+                <a:solidFill>
+                  <a:srgbClr val="000000"/>
+                </a:solidFill>
+                <a:latin typeface="Arial"/>
               </a:rPr>
               <a:t>Second Outline Level</a:t>
             </a:r>
-            <a:endParaRPr b="0" lang="en-US" sz="2400" spc="-1" strike="noStrike">
-              <a:solidFill>
-                <a:schemeClr val="dk1"/>
-              </a:solidFill>
-              <a:latin typeface="Calibri"/>
+            <a:endParaRPr b="0" lang="en-US" sz="2800" spc="-1" strike="noStrike">
+              <a:solidFill>
+                <a:srgbClr val="000000"/>
+              </a:solidFill>
+              <a:latin typeface="Arial"/>
             </a:endParaRPr>
           </a:p>
           <a:p>
@@ -1692,19 +2665,19 @@
               <a:buChar char=""/>
             </a:pPr>
             <a:r>
-              <a:rPr b="0" lang="en-US" sz="2000" spc="-1" strike="noStrike">
-                <a:solidFill>
-                  <a:schemeClr val="dk1"/>
-                </a:solidFill>
-                <a:latin typeface="Calibri"/>
+              <a:rPr b="0" lang="en-US" sz="2400" spc="-1" strike="noStrike">
+                <a:solidFill>
+                  <a:srgbClr val="000000"/>
+                </a:solidFill>
+                <a:latin typeface="Arial"/>
               </a:rPr>
               <a:t>Third Outline Level</a:t>
             </a:r>
-            <a:endParaRPr b="0" lang="en-US" sz="2000" spc="-1" strike="noStrike">
-              <a:solidFill>
-                <a:schemeClr val="dk1"/>
-              </a:solidFill>
-              <a:latin typeface="Calibri"/>
+            <a:endParaRPr b="0" lang="en-US" sz="2400" spc="-1" strike="noStrike">
+              <a:solidFill>
+                <a:srgbClr val="000000"/>
+              </a:solidFill>
+              <a:latin typeface="Arial"/>
             </a:endParaRPr>
           </a:p>
           <a:p>
@@ -1722,17 +2695,17 @@
             <a:r>
               <a:rPr b="0" lang="en-US" sz="2000" spc="-1" strike="noStrike">
                 <a:solidFill>
-                  <a:schemeClr val="dk1"/>
-                </a:solidFill>
-                <a:latin typeface="Calibri"/>
+                  <a:srgbClr val="000000"/>
+                </a:solidFill>
+                <a:latin typeface="Arial"/>
               </a:rPr>
               <a:t>Fourth Outline Level</a:t>
             </a:r>
             <a:endParaRPr b="0" lang="en-US" sz="2000" spc="-1" strike="noStrike">
               <a:solidFill>
-                <a:schemeClr val="dk1"/>
-              </a:solidFill>
-              <a:latin typeface="Calibri"/>
+                <a:srgbClr val="000000"/>
+              </a:solidFill>
+              <a:latin typeface="Arial"/>
             </a:endParaRPr>
           </a:p>
           <a:p>
@@ -1750,17 +2723,17 @@
             <a:r>
               <a:rPr b="0" lang="en-US" sz="2000" spc="-1" strike="noStrike">
                 <a:solidFill>
-                  <a:schemeClr val="dk1"/>
-                </a:solidFill>
-                <a:latin typeface="Calibri"/>
+                  <a:srgbClr val="000000"/>
+                </a:solidFill>
+                <a:latin typeface="Arial"/>
               </a:rPr>
               <a:t>Fifth Outline Level</a:t>
             </a:r>
             <a:endParaRPr b="0" lang="en-US" sz="2000" spc="-1" strike="noStrike">
               <a:solidFill>
-                <a:schemeClr val="dk1"/>
-              </a:solidFill>
-              <a:latin typeface="Calibri"/>
+                <a:srgbClr val="000000"/>
+              </a:solidFill>
+              <a:latin typeface="Arial"/>
             </a:endParaRPr>
           </a:p>
           <a:p>
@@ -1778,17 +2751,17 @@
             <a:r>
               <a:rPr b="0" lang="en-US" sz="2000" spc="-1" strike="noStrike">
                 <a:solidFill>
-                  <a:schemeClr val="dk1"/>
-                </a:solidFill>
-                <a:latin typeface="Calibri"/>
+                  <a:srgbClr val="000000"/>
+                </a:solidFill>
+                <a:latin typeface="Arial"/>
               </a:rPr>
               <a:t>Sixth Outline Level</a:t>
             </a:r>
             <a:endParaRPr b="0" lang="en-US" sz="2000" spc="-1" strike="noStrike">
               <a:solidFill>
-                <a:schemeClr val="dk1"/>
-              </a:solidFill>
-              <a:latin typeface="Calibri"/>
+                <a:srgbClr val="000000"/>
+              </a:solidFill>
+              <a:latin typeface="Arial"/>
             </a:endParaRPr>
           </a:p>
           <a:p>
@@ -1806,17 +2779,17 @@
             <a:r>
               <a:rPr b="0" lang="en-US" sz="2000" spc="-1" strike="noStrike">
                 <a:solidFill>
-                  <a:schemeClr val="dk1"/>
-                </a:solidFill>
-                <a:latin typeface="Calibri"/>
+                  <a:srgbClr val="000000"/>
+                </a:solidFill>
+                <a:latin typeface="Arial"/>
               </a:rPr>
               <a:t>Seventh Outline Level</a:t>
             </a:r>
             <a:endParaRPr b="0" lang="en-US" sz="2000" spc="-1" strike="noStrike">
               <a:solidFill>
-                <a:schemeClr val="dk1"/>
-              </a:solidFill>
-              <a:latin typeface="Calibri"/>
+                <a:srgbClr val="000000"/>
+              </a:solidFill>
+              <a:latin typeface="Arial"/>
             </a:endParaRPr>
           </a:p>
         </p:txBody>
@@ -1856,7 +2829,7 @@
         <p:spPr>
           <a:xfrm>
             <a:off x="0" y="0"/>
-            <a:ext cx="14630040" cy="8229240"/>
+            <a:ext cx="14629680" cy="8228880"/>
           </a:xfrm>
           <a:prstGeom prst="rect">
             <a:avLst/>
@@ -1879,6 +2852,11 @@
             <a:noAutofit/>
           </a:bodyPr>
           <a:p>
+            <a:pPr>
+              <a:lnSpc>
+                <a:spcPct val="100000"/>
+              </a:lnSpc>
+            </a:pPr>
             <a:endParaRPr b="0" lang="en-US" sz="1800" spc="-1" strike="noStrike">
               <a:solidFill>
                 <a:srgbClr val="ffffff"/>
@@ -1897,7 +2875,7 @@
         <p:spPr>
           <a:xfrm>
             <a:off x="0" y="0"/>
-            <a:ext cx="14630040" cy="8229240"/>
+            <a:ext cx="14629680" cy="8228880"/>
           </a:xfrm>
           <a:prstGeom prst="rect">
             <a:avLst/>
@@ -1920,6 +2898,11 @@
             <a:noAutofit/>
           </a:bodyPr>
           <a:p>
+            <a:pPr>
+              <a:lnSpc>
+                <a:spcPct val="100000"/>
+              </a:lnSpc>
+            </a:pPr>
             <a:endParaRPr b="0" lang="en-US" sz="1800" spc="-1" strike="noStrike">
               <a:solidFill>
                 <a:srgbClr val="000000"/>
@@ -1944,7 +2927,7 @@
         <p:spPr>
           <a:xfrm>
             <a:off x="12839040" y="7749720"/>
-            <a:ext cx="1722240" cy="411120"/>
+            <a:ext cx="1721880" cy="410760"/>
           </a:xfrm>
           <a:prstGeom prst="rect">
             <a:avLst/>
@@ -1988,26 +2971,17 @@
             <a:r>
               <a:rPr b="0" lang="en-US" sz="4400" spc="-1" strike="noStrike">
                 <a:solidFill>
-                  <a:schemeClr val="dk1"/>
-                </a:solidFill>
-                <a:latin typeface="Calibri Light"/>
-              </a:rPr>
-              <a:t>Click to edit the title </a:t>
-            </a:r>
-            <a:r>
-              <a:rPr b="0" lang="en-US" sz="4400" spc="-1" strike="noStrike">
-                <a:solidFill>
-                  <a:schemeClr val="dk1"/>
-                </a:solidFill>
-                <a:latin typeface="Calibri Light"/>
-              </a:rPr>
-              <a:t>text format</a:t>
+                  <a:srgbClr val="000000"/>
+                </a:solidFill>
+                <a:latin typeface="Arial"/>
+              </a:rPr>
+              <a:t>Click to edit the title text format</a:t>
             </a:r>
             <a:endParaRPr b="0" lang="en-US" sz="4400" spc="-1" strike="noStrike">
               <a:solidFill>
-                <a:schemeClr val="dk1"/>
-              </a:solidFill>
-              <a:latin typeface="Calibri Light"/>
+                <a:srgbClr val="000000"/>
+              </a:solidFill>
+              <a:latin typeface="Arial"/>
             </a:endParaRPr>
           </a:p>
         </p:txBody>
@@ -2054,17 +3028,17 @@
             <a:r>
               <a:rPr b="0" lang="en-US" sz="3200" spc="-1" strike="noStrike">
                 <a:solidFill>
-                  <a:schemeClr val="dk1"/>
-                </a:solidFill>
-                <a:latin typeface="Calibri"/>
+                  <a:srgbClr val="000000"/>
+                </a:solidFill>
+                <a:latin typeface="Arial"/>
               </a:rPr>
               <a:t>Click to edit the outline text format</a:t>
             </a:r>
             <a:endParaRPr b="0" lang="en-US" sz="3200" spc="-1" strike="noStrike">
               <a:solidFill>
-                <a:schemeClr val="dk1"/>
-              </a:solidFill>
-              <a:latin typeface="Calibri"/>
+                <a:srgbClr val="000000"/>
+              </a:solidFill>
+              <a:latin typeface="Arial"/>
             </a:endParaRPr>
           </a:p>
           <a:p>
@@ -2080,19 +3054,19 @@
               <a:buChar char=""/>
             </a:pPr>
             <a:r>
-              <a:rPr b="0" lang="en-US" sz="2400" spc="-1" strike="noStrike">
-                <a:solidFill>
-                  <a:schemeClr val="dk1"/>
-                </a:solidFill>
-                <a:latin typeface="Calibri"/>
+              <a:rPr b="0" lang="en-US" sz="2800" spc="-1" strike="noStrike">
+                <a:solidFill>
+                  <a:srgbClr val="000000"/>
+                </a:solidFill>
+                <a:latin typeface="Arial"/>
               </a:rPr>
               <a:t>Second Outline Level</a:t>
             </a:r>
-            <a:endParaRPr b="0" lang="en-US" sz="2400" spc="-1" strike="noStrike">
-              <a:solidFill>
-                <a:schemeClr val="dk1"/>
-              </a:solidFill>
-              <a:latin typeface="Calibri"/>
+            <a:endParaRPr b="0" lang="en-US" sz="2800" spc="-1" strike="noStrike">
+              <a:solidFill>
+                <a:srgbClr val="000000"/>
+              </a:solidFill>
+              <a:latin typeface="Arial"/>
             </a:endParaRPr>
           </a:p>
           <a:p>
@@ -2108,19 +3082,19 @@
               <a:buChar char=""/>
             </a:pPr>
             <a:r>
-              <a:rPr b="0" lang="en-US" sz="2000" spc="-1" strike="noStrike">
-                <a:solidFill>
-                  <a:schemeClr val="dk1"/>
-                </a:solidFill>
-                <a:latin typeface="Calibri"/>
+              <a:rPr b="0" lang="en-US" sz="2400" spc="-1" strike="noStrike">
+                <a:solidFill>
+                  <a:srgbClr val="000000"/>
+                </a:solidFill>
+                <a:latin typeface="Arial"/>
               </a:rPr>
               <a:t>Third Outline Level</a:t>
             </a:r>
-            <a:endParaRPr b="0" lang="en-US" sz="2000" spc="-1" strike="noStrike">
-              <a:solidFill>
-                <a:schemeClr val="dk1"/>
-              </a:solidFill>
-              <a:latin typeface="Calibri"/>
+            <a:endParaRPr b="0" lang="en-US" sz="2400" spc="-1" strike="noStrike">
+              <a:solidFill>
+                <a:srgbClr val="000000"/>
+              </a:solidFill>
+              <a:latin typeface="Arial"/>
             </a:endParaRPr>
           </a:p>
           <a:p>
@@ -2138,17 +3112,17 @@
             <a:r>
               <a:rPr b="0" lang="en-US" sz="2000" spc="-1" strike="noStrike">
                 <a:solidFill>
-                  <a:schemeClr val="dk1"/>
-                </a:solidFill>
-                <a:latin typeface="Calibri"/>
+                  <a:srgbClr val="000000"/>
+                </a:solidFill>
+                <a:latin typeface="Arial"/>
               </a:rPr>
               <a:t>Fourth Outline Level</a:t>
             </a:r>
             <a:endParaRPr b="0" lang="en-US" sz="2000" spc="-1" strike="noStrike">
               <a:solidFill>
-                <a:schemeClr val="dk1"/>
-              </a:solidFill>
-              <a:latin typeface="Calibri"/>
+                <a:srgbClr val="000000"/>
+              </a:solidFill>
+              <a:latin typeface="Arial"/>
             </a:endParaRPr>
           </a:p>
           <a:p>
@@ -2166,17 +3140,17 @@
             <a:r>
               <a:rPr b="0" lang="en-US" sz="2000" spc="-1" strike="noStrike">
                 <a:solidFill>
-                  <a:schemeClr val="dk1"/>
-                </a:solidFill>
-                <a:latin typeface="Calibri"/>
+                  <a:srgbClr val="000000"/>
+                </a:solidFill>
+                <a:latin typeface="Arial"/>
               </a:rPr>
               <a:t>Fifth Outline Level</a:t>
             </a:r>
             <a:endParaRPr b="0" lang="en-US" sz="2000" spc="-1" strike="noStrike">
               <a:solidFill>
-                <a:schemeClr val="dk1"/>
-              </a:solidFill>
-              <a:latin typeface="Calibri"/>
+                <a:srgbClr val="000000"/>
+              </a:solidFill>
+              <a:latin typeface="Arial"/>
             </a:endParaRPr>
           </a:p>
           <a:p>
@@ -2194,17 +3168,17 @@
             <a:r>
               <a:rPr b="0" lang="en-US" sz="2000" spc="-1" strike="noStrike">
                 <a:solidFill>
-                  <a:schemeClr val="dk1"/>
-                </a:solidFill>
-                <a:latin typeface="Calibri"/>
+                  <a:srgbClr val="000000"/>
+                </a:solidFill>
+                <a:latin typeface="Arial"/>
               </a:rPr>
               <a:t>Sixth Outline Level</a:t>
             </a:r>
             <a:endParaRPr b="0" lang="en-US" sz="2000" spc="-1" strike="noStrike">
               <a:solidFill>
-                <a:schemeClr val="dk1"/>
-              </a:solidFill>
-              <a:latin typeface="Calibri"/>
+                <a:srgbClr val="000000"/>
+              </a:solidFill>
+              <a:latin typeface="Arial"/>
             </a:endParaRPr>
           </a:p>
           <a:p>
@@ -2222,17 +3196,17 @@
             <a:r>
               <a:rPr b="0" lang="en-US" sz="2000" spc="-1" strike="noStrike">
                 <a:solidFill>
-                  <a:schemeClr val="dk1"/>
-                </a:solidFill>
-                <a:latin typeface="Calibri"/>
+                  <a:srgbClr val="000000"/>
+                </a:solidFill>
+                <a:latin typeface="Arial"/>
               </a:rPr>
               <a:t>Seventh Outline Level</a:t>
             </a:r>
             <a:endParaRPr b="0" lang="en-US" sz="2000" spc="-1" strike="noStrike">
               <a:solidFill>
-                <a:schemeClr val="dk1"/>
-              </a:solidFill>
-              <a:latin typeface="Calibri"/>
+                <a:srgbClr val="000000"/>
+              </a:solidFill>
+              <a:latin typeface="Arial"/>
             </a:endParaRPr>
           </a:p>
         </p:txBody>
@@ -2272,7 +3246,7 @@
         <p:spPr>
           <a:xfrm>
             <a:off x="0" y="0"/>
-            <a:ext cx="14630040" cy="8229240"/>
+            <a:ext cx="14629680" cy="8228880"/>
           </a:xfrm>
           <a:prstGeom prst="rect">
             <a:avLst/>
@@ -2295,6 +3269,11 @@
             <a:noAutofit/>
           </a:bodyPr>
           <a:p>
+            <a:pPr>
+              <a:lnSpc>
+                <a:spcPct val="100000"/>
+              </a:lnSpc>
+            </a:pPr>
             <a:endParaRPr b="0" lang="en-US" sz="1800" spc="-1" strike="noStrike">
               <a:solidFill>
                 <a:srgbClr val="ffffff"/>
@@ -2313,7 +3292,7 @@
         <p:spPr>
           <a:xfrm>
             <a:off x="0" y="0"/>
-            <a:ext cx="14630040" cy="8229240"/>
+            <a:ext cx="14629680" cy="8228880"/>
           </a:xfrm>
           <a:prstGeom prst="rect">
             <a:avLst/>
@@ -2336,6 +3315,11 @@
             <a:noAutofit/>
           </a:bodyPr>
           <a:p>
+            <a:pPr>
+              <a:lnSpc>
+                <a:spcPct val="100000"/>
+              </a:lnSpc>
+            </a:pPr>
             <a:endParaRPr b="0" lang="en-US" sz="1800" spc="-1" strike="noStrike">
               <a:solidFill>
                 <a:srgbClr val="000000"/>
@@ -2360,7 +3344,7 @@
         <p:spPr>
           <a:xfrm>
             <a:off x="12839040" y="7749720"/>
-            <a:ext cx="1722240" cy="411120"/>
+            <a:ext cx="1721880" cy="410760"/>
           </a:xfrm>
           <a:prstGeom prst="rect">
             <a:avLst/>
@@ -2404,17 +3388,17 @@
             <a:r>
               <a:rPr b="0" lang="en-US" sz="4400" spc="-1" strike="noStrike">
                 <a:solidFill>
-                  <a:schemeClr val="dk1"/>
-                </a:solidFill>
-                <a:latin typeface="Calibri Light"/>
+                  <a:srgbClr val="000000"/>
+                </a:solidFill>
+                <a:latin typeface="Arial"/>
               </a:rPr>
               <a:t>Click to edit the title text format</a:t>
             </a:r>
             <a:endParaRPr b="0" lang="en-US" sz="4400" spc="-1" strike="noStrike">
               <a:solidFill>
-                <a:schemeClr val="dk1"/>
-              </a:solidFill>
-              <a:latin typeface="Calibri Light"/>
+                <a:srgbClr val="000000"/>
+              </a:solidFill>
+              <a:latin typeface="Arial"/>
             </a:endParaRPr>
           </a:p>
         </p:txBody>
@@ -2461,17 +3445,17 @@
             <a:r>
               <a:rPr b="0" lang="en-US" sz="3200" spc="-1" strike="noStrike">
                 <a:solidFill>
-                  <a:schemeClr val="dk1"/>
-                </a:solidFill>
-                <a:latin typeface="Calibri"/>
+                  <a:srgbClr val="000000"/>
+                </a:solidFill>
+                <a:latin typeface="Arial"/>
               </a:rPr>
               <a:t>Click to edit the outline text format</a:t>
             </a:r>
             <a:endParaRPr b="0" lang="en-US" sz="3200" spc="-1" strike="noStrike">
               <a:solidFill>
-                <a:schemeClr val="dk1"/>
-              </a:solidFill>
-              <a:latin typeface="Calibri"/>
+                <a:srgbClr val="000000"/>
+              </a:solidFill>
+              <a:latin typeface="Arial"/>
             </a:endParaRPr>
           </a:p>
           <a:p>
@@ -2487,19 +3471,19 @@
               <a:buChar char=""/>
             </a:pPr>
             <a:r>
-              <a:rPr b="0" lang="en-US" sz="2400" spc="-1" strike="noStrike">
-                <a:solidFill>
-                  <a:schemeClr val="dk1"/>
-                </a:solidFill>
-                <a:latin typeface="Calibri"/>
+              <a:rPr b="0" lang="en-US" sz="2800" spc="-1" strike="noStrike">
+                <a:solidFill>
+                  <a:srgbClr val="000000"/>
+                </a:solidFill>
+                <a:latin typeface="Arial"/>
               </a:rPr>
               <a:t>Second Outline Level</a:t>
             </a:r>
-            <a:endParaRPr b="0" lang="en-US" sz="2400" spc="-1" strike="noStrike">
-              <a:solidFill>
-                <a:schemeClr val="dk1"/>
-              </a:solidFill>
-              <a:latin typeface="Calibri"/>
+            <a:endParaRPr b="0" lang="en-US" sz="2800" spc="-1" strike="noStrike">
+              <a:solidFill>
+                <a:srgbClr val="000000"/>
+              </a:solidFill>
+              <a:latin typeface="Arial"/>
             </a:endParaRPr>
           </a:p>
           <a:p>
@@ -2515,19 +3499,19 @@
               <a:buChar char=""/>
             </a:pPr>
             <a:r>
-              <a:rPr b="0" lang="en-US" sz="2000" spc="-1" strike="noStrike">
-                <a:solidFill>
-                  <a:schemeClr val="dk1"/>
-                </a:solidFill>
-                <a:latin typeface="Calibri"/>
+              <a:rPr b="0" lang="en-US" sz="2400" spc="-1" strike="noStrike">
+                <a:solidFill>
+                  <a:srgbClr val="000000"/>
+                </a:solidFill>
+                <a:latin typeface="Arial"/>
               </a:rPr>
               <a:t>Third Outline Level</a:t>
             </a:r>
-            <a:endParaRPr b="0" lang="en-US" sz="2000" spc="-1" strike="noStrike">
-              <a:solidFill>
-                <a:schemeClr val="dk1"/>
-              </a:solidFill>
-              <a:latin typeface="Calibri"/>
+            <a:endParaRPr b="0" lang="en-US" sz="2400" spc="-1" strike="noStrike">
+              <a:solidFill>
+                <a:srgbClr val="000000"/>
+              </a:solidFill>
+              <a:latin typeface="Arial"/>
             </a:endParaRPr>
           </a:p>
           <a:p>
@@ -2545,17 +3529,17 @@
             <a:r>
               <a:rPr b="0" lang="en-US" sz="2000" spc="-1" strike="noStrike">
                 <a:solidFill>
-                  <a:schemeClr val="dk1"/>
-                </a:solidFill>
-                <a:latin typeface="Calibri"/>
+                  <a:srgbClr val="000000"/>
+                </a:solidFill>
+                <a:latin typeface="Arial"/>
               </a:rPr>
               <a:t>Fourth Outline Level</a:t>
             </a:r>
             <a:endParaRPr b="0" lang="en-US" sz="2000" spc="-1" strike="noStrike">
               <a:solidFill>
-                <a:schemeClr val="dk1"/>
-              </a:solidFill>
-              <a:latin typeface="Calibri"/>
+                <a:srgbClr val="000000"/>
+              </a:solidFill>
+              <a:latin typeface="Arial"/>
             </a:endParaRPr>
           </a:p>
           <a:p>
@@ -2573,17 +3557,17 @@
             <a:r>
               <a:rPr b="0" lang="en-US" sz="2000" spc="-1" strike="noStrike">
                 <a:solidFill>
-                  <a:schemeClr val="dk1"/>
-                </a:solidFill>
-                <a:latin typeface="Calibri"/>
+                  <a:srgbClr val="000000"/>
+                </a:solidFill>
+                <a:latin typeface="Arial"/>
               </a:rPr>
               <a:t>Fifth Outline Level</a:t>
             </a:r>
             <a:endParaRPr b="0" lang="en-US" sz="2000" spc="-1" strike="noStrike">
               <a:solidFill>
-                <a:schemeClr val="dk1"/>
-              </a:solidFill>
-              <a:latin typeface="Calibri"/>
+                <a:srgbClr val="000000"/>
+              </a:solidFill>
+              <a:latin typeface="Arial"/>
             </a:endParaRPr>
           </a:p>
           <a:p>
@@ -2601,17 +3585,17 @@
             <a:r>
               <a:rPr b="0" lang="en-US" sz="2000" spc="-1" strike="noStrike">
                 <a:solidFill>
-                  <a:schemeClr val="dk1"/>
-                </a:solidFill>
-                <a:latin typeface="Calibri"/>
+                  <a:srgbClr val="000000"/>
+                </a:solidFill>
+                <a:latin typeface="Arial"/>
               </a:rPr>
               <a:t>Sixth Outline Level</a:t>
             </a:r>
             <a:endParaRPr b="0" lang="en-US" sz="2000" spc="-1" strike="noStrike">
               <a:solidFill>
-                <a:schemeClr val="dk1"/>
-              </a:solidFill>
-              <a:latin typeface="Calibri"/>
+                <a:srgbClr val="000000"/>
+              </a:solidFill>
+              <a:latin typeface="Arial"/>
             </a:endParaRPr>
           </a:p>
           <a:p>
@@ -2629,17 +3613,17 @@
             <a:r>
               <a:rPr b="0" lang="en-US" sz="2000" spc="-1" strike="noStrike">
                 <a:solidFill>
-                  <a:schemeClr val="dk1"/>
-                </a:solidFill>
-                <a:latin typeface="Calibri"/>
+                  <a:srgbClr val="000000"/>
+                </a:solidFill>
+                <a:latin typeface="Arial"/>
               </a:rPr>
               <a:t>Seventh Outline Level</a:t>
             </a:r>
             <a:endParaRPr b="0" lang="en-US" sz="2000" spc="-1" strike="noStrike">
               <a:solidFill>
-                <a:schemeClr val="dk1"/>
-              </a:solidFill>
-              <a:latin typeface="Calibri"/>
+                <a:srgbClr val="000000"/>
+              </a:solidFill>
+              <a:latin typeface="Arial"/>
             </a:endParaRPr>
           </a:p>
         </p:txBody>
@@ -2679,7 +3663,7 @@
         <p:spPr>
           <a:xfrm>
             <a:off x="0" y="0"/>
-            <a:ext cx="14630040" cy="8229240"/>
+            <a:ext cx="14629680" cy="8228880"/>
           </a:xfrm>
           <a:prstGeom prst="rect">
             <a:avLst/>
@@ -2702,6 +3686,11 @@
             <a:noAutofit/>
           </a:bodyPr>
           <a:p>
+            <a:pPr>
+              <a:lnSpc>
+                <a:spcPct val="100000"/>
+              </a:lnSpc>
+            </a:pPr>
             <a:endParaRPr b="0" lang="en-US" sz="1800" spc="-1" strike="noStrike">
               <a:solidFill>
                 <a:srgbClr val="ffffff"/>
@@ -2720,7 +3709,7 @@
         <p:spPr>
           <a:xfrm>
             <a:off x="0" y="0"/>
-            <a:ext cx="14630040" cy="8229240"/>
+            <a:ext cx="14629680" cy="8228880"/>
           </a:xfrm>
           <a:prstGeom prst="rect">
             <a:avLst/>
@@ -2743,6 +3732,11 @@
             <a:noAutofit/>
           </a:bodyPr>
           <a:p>
+            <a:pPr>
+              <a:lnSpc>
+                <a:spcPct val="100000"/>
+              </a:lnSpc>
+            </a:pPr>
             <a:endParaRPr b="0" lang="en-US" sz="1800" spc="-1" strike="noStrike">
               <a:solidFill>
                 <a:srgbClr val="000000"/>
@@ -2767,7 +3761,7 @@
         <p:spPr>
           <a:xfrm>
             <a:off x="12839040" y="7749720"/>
-            <a:ext cx="1722240" cy="411120"/>
+            <a:ext cx="1721880" cy="410760"/>
           </a:xfrm>
           <a:prstGeom prst="rect">
             <a:avLst/>
@@ -2811,17 +3805,17 @@
             <a:r>
               <a:rPr b="0" lang="en-US" sz="4400" spc="-1" strike="noStrike">
                 <a:solidFill>
-                  <a:schemeClr val="dk1"/>
-                </a:solidFill>
-                <a:latin typeface="Calibri Light"/>
+                  <a:srgbClr val="000000"/>
+                </a:solidFill>
+                <a:latin typeface="Arial"/>
               </a:rPr>
               <a:t>Click to edit the title text format</a:t>
             </a:r>
             <a:endParaRPr b="0" lang="en-US" sz="4400" spc="-1" strike="noStrike">
               <a:solidFill>
-                <a:schemeClr val="dk1"/>
-              </a:solidFill>
-              <a:latin typeface="Calibri Light"/>
+                <a:srgbClr val="000000"/>
+              </a:solidFill>
+              <a:latin typeface="Arial"/>
             </a:endParaRPr>
           </a:p>
         </p:txBody>
@@ -2868,17 +3862,17 @@
             <a:r>
               <a:rPr b="0" lang="en-US" sz="3200" spc="-1" strike="noStrike">
                 <a:solidFill>
-                  <a:schemeClr val="dk1"/>
-                </a:solidFill>
-                <a:latin typeface="Calibri"/>
+                  <a:srgbClr val="000000"/>
+                </a:solidFill>
+                <a:latin typeface="Arial"/>
               </a:rPr>
               <a:t>Click to edit the outline text format</a:t>
             </a:r>
             <a:endParaRPr b="0" lang="en-US" sz="3200" spc="-1" strike="noStrike">
               <a:solidFill>
-                <a:schemeClr val="dk1"/>
-              </a:solidFill>
-              <a:latin typeface="Calibri"/>
+                <a:srgbClr val="000000"/>
+              </a:solidFill>
+              <a:latin typeface="Arial"/>
             </a:endParaRPr>
           </a:p>
           <a:p>
@@ -2894,19 +3888,19 @@
               <a:buChar char=""/>
             </a:pPr>
             <a:r>
-              <a:rPr b="0" lang="en-US" sz="2400" spc="-1" strike="noStrike">
-                <a:solidFill>
-                  <a:schemeClr val="dk1"/>
-                </a:solidFill>
-                <a:latin typeface="Calibri"/>
+              <a:rPr b="0" lang="en-US" sz="2800" spc="-1" strike="noStrike">
+                <a:solidFill>
+                  <a:srgbClr val="000000"/>
+                </a:solidFill>
+                <a:latin typeface="Arial"/>
               </a:rPr>
               <a:t>Second Outline Level</a:t>
             </a:r>
-            <a:endParaRPr b="0" lang="en-US" sz="2400" spc="-1" strike="noStrike">
-              <a:solidFill>
-                <a:schemeClr val="dk1"/>
-              </a:solidFill>
-              <a:latin typeface="Calibri"/>
+            <a:endParaRPr b="0" lang="en-US" sz="2800" spc="-1" strike="noStrike">
+              <a:solidFill>
+                <a:srgbClr val="000000"/>
+              </a:solidFill>
+              <a:latin typeface="Arial"/>
             </a:endParaRPr>
           </a:p>
           <a:p>
@@ -2922,19 +3916,19 @@
               <a:buChar char=""/>
             </a:pPr>
             <a:r>
-              <a:rPr b="0" lang="en-US" sz="2000" spc="-1" strike="noStrike">
-                <a:solidFill>
-                  <a:schemeClr val="dk1"/>
-                </a:solidFill>
-                <a:latin typeface="Calibri"/>
+              <a:rPr b="0" lang="en-US" sz="2400" spc="-1" strike="noStrike">
+                <a:solidFill>
+                  <a:srgbClr val="000000"/>
+                </a:solidFill>
+                <a:latin typeface="Arial"/>
               </a:rPr>
               <a:t>Third Outline Level</a:t>
             </a:r>
-            <a:endParaRPr b="0" lang="en-US" sz="2000" spc="-1" strike="noStrike">
-              <a:solidFill>
-                <a:schemeClr val="dk1"/>
-              </a:solidFill>
-              <a:latin typeface="Calibri"/>
+            <a:endParaRPr b="0" lang="en-US" sz="2400" spc="-1" strike="noStrike">
+              <a:solidFill>
+                <a:srgbClr val="000000"/>
+              </a:solidFill>
+              <a:latin typeface="Arial"/>
             </a:endParaRPr>
           </a:p>
           <a:p>
@@ -2952,17 +3946,17 @@
             <a:r>
               <a:rPr b="0" lang="en-US" sz="2000" spc="-1" strike="noStrike">
                 <a:solidFill>
-                  <a:schemeClr val="dk1"/>
-                </a:solidFill>
-                <a:latin typeface="Calibri"/>
+                  <a:srgbClr val="000000"/>
+                </a:solidFill>
+                <a:latin typeface="Arial"/>
               </a:rPr>
               <a:t>Fourth Outline Level</a:t>
             </a:r>
             <a:endParaRPr b="0" lang="en-US" sz="2000" spc="-1" strike="noStrike">
               <a:solidFill>
-                <a:schemeClr val="dk1"/>
-              </a:solidFill>
-              <a:latin typeface="Calibri"/>
+                <a:srgbClr val="000000"/>
+              </a:solidFill>
+              <a:latin typeface="Arial"/>
             </a:endParaRPr>
           </a:p>
           <a:p>
@@ -2980,17 +3974,17 @@
             <a:r>
               <a:rPr b="0" lang="en-US" sz="2000" spc="-1" strike="noStrike">
                 <a:solidFill>
-                  <a:schemeClr val="dk1"/>
-                </a:solidFill>
-                <a:latin typeface="Calibri"/>
+                  <a:srgbClr val="000000"/>
+                </a:solidFill>
+                <a:latin typeface="Arial"/>
               </a:rPr>
               <a:t>Fifth Outline Level</a:t>
             </a:r>
             <a:endParaRPr b="0" lang="en-US" sz="2000" spc="-1" strike="noStrike">
               <a:solidFill>
-                <a:schemeClr val="dk1"/>
-              </a:solidFill>
-              <a:latin typeface="Calibri"/>
+                <a:srgbClr val="000000"/>
+              </a:solidFill>
+              <a:latin typeface="Arial"/>
             </a:endParaRPr>
           </a:p>
           <a:p>
@@ -3008,17 +4002,17 @@
             <a:r>
               <a:rPr b="0" lang="en-US" sz="2000" spc="-1" strike="noStrike">
                 <a:solidFill>
-                  <a:schemeClr val="dk1"/>
-                </a:solidFill>
-                <a:latin typeface="Calibri"/>
+                  <a:srgbClr val="000000"/>
+                </a:solidFill>
+                <a:latin typeface="Arial"/>
               </a:rPr>
               <a:t>Sixth Outline Level</a:t>
             </a:r>
             <a:endParaRPr b="0" lang="en-US" sz="2000" spc="-1" strike="noStrike">
               <a:solidFill>
-                <a:schemeClr val="dk1"/>
-              </a:solidFill>
-              <a:latin typeface="Calibri"/>
+                <a:srgbClr val="000000"/>
+              </a:solidFill>
+              <a:latin typeface="Arial"/>
             </a:endParaRPr>
           </a:p>
           <a:p>
@@ -3036,17 +4030,17 @@
             <a:r>
               <a:rPr b="0" lang="en-US" sz="2000" spc="-1" strike="noStrike">
                 <a:solidFill>
-                  <a:schemeClr val="dk1"/>
-                </a:solidFill>
-                <a:latin typeface="Calibri"/>
+                  <a:srgbClr val="000000"/>
+                </a:solidFill>
+                <a:latin typeface="Arial"/>
               </a:rPr>
               <a:t>Seventh Outline Level</a:t>
             </a:r>
             <a:endParaRPr b="0" lang="en-US" sz="2000" spc="-1" strike="noStrike">
               <a:solidFill>
-                <a:schemeClr val="dk1"/>
-              </a:solidFill>
-              <a:latin typeface="Calibri"/>
+                <a:srgbClr val="000000"/>
+              </a:solidFill>
+              <a:latin typeface="Arial"/>
             </a:endParaRPr>
           </a:p>
         </p:txBody>
@@ -3086,7 +4080,7 @@
         <p:spPr>
           <a:xfrm>
             <a:off x="793800" y="2184120"/>
-            <a:ext cx="7556040" cy="1417320"/>
+            <a:ext cx="6750000" cy="1757520"/>
           </a:xfrm>
           <a:prstGeom prst="rect">
             <a:avLst/>
@@ -3143,7 +4137,7 @@
         <p:spPr>
           <a:xfrm>
             <a:off x="793800" y="3941640"/>
-            <a:ext cx="7556040" cy="1451160"/>
+            <a:ext cx="7555680" cy="1450800"/>
           </a:xfrm>
           <a:prstGeom prst="rect">
             <a:avLst/>
@@ -3180,7 +4174,7 @@
                 <a:latin typeface="Source Sans Pro"/>
                 <a:ea typeface="Source Sans Pro"/>
               </a:rPr>
-              <a:t>This documentation describes the technical aspects of the Pricing Elasticity Project. The project focuses on calculating price elasticity based on historical order data and providing pricing insights using a multi-agent system built with LangGraph.</a:t>
+              <a:t>The project focuses on calculating price elasticity based on historical order data and providing pricing insights using a multi-agent system built with LangGraph.</a:t>
             </a:r>
             <a:endParaRPr b="0" lang="en-US" sz="1750" spc="-1" strike="noStrike">
               <a:solidFill>
@@ -3200,7 +4194,7 @@
         <p:spPr>
           <a:xfrm>
             <a:off x="793800" y="5665320"/>
-            <a:ext cx="362520" cy="362520"/>
+            <a:ext cx="362160" cy="362160"/>
           </a:xfrm>
           <a:prstGeom prst="roundRect">
             <a:avLst>
@@ -3226,6 +4220,11 @@
             <a:noAutofit/>
           </a:bodyPr>
           <a:p>
+            <a:pPr>
+              <a:lnSpc>
+                <a:spcPct val="100000"/>
+              </a:lnSpc>
+            </a:pPr>
             <a:endParaRPr b="0" lang="en-US" sz="1800" spc="-1" strike="noStrike">
               <a:solidFill>
                 <a:srgbClr val="000000"/>
@@ -3248,7 +4247,7 @@
         <p:spPr>
           <a:xfrm>
             <a:off x="801360" y="5673240"/>
-            <a:ext cx="347400" cy="347400"/>
+            <a:ext cx="347040" cy="347040"/>
           </a:xfrm>
           <a:prstGeom prst="rect">
             <a:avLst/>
@@ -3267,7 +4266,7 @@
         <p:spPr>
           <a:xfrm>
             <a:off x="1270080" y="5648400"/>
-            <a:ext cx="2164680" cy="396360"/>
+            <a:ext cx="2164320" cy="396000"/>
           </a:xfrm>
           <a:prstGeom prst="rect">
             <a:avLst/>
@@ -3315,6 +4314,159 @@
           </a:p>
         </p:txBody>
       </p:sp>
+    </p:spTree>
+  </p:cSld>
+  <mc:AlternateContent>
+    <mc:Choice Requires="p14">
+      <p:transition spd="slow" p14:dur="2000"/>
+    </mc:Choice>
+    <mc:Fallback>
+      <p:transition spd="slow"/>
+    </mc:Fallback>
+  </mc:AlternateContent>
+</p:sld>
+</file>
+
+<file path=ppt/slides/slide10.xml><?xml version="1.0" encoding="utf-8"?>
+<p:sld xmlns:a="http://schemas.openxmlformats.org/drawingml/2006/main" xmlns:p="http://schemas.openxmlformats.org/presentationml/2006/main" xmlns:r="http://schemas.openxmlformats.org/officeDocument/2006/relationships" xmlns:p14="http://schemas.microsoft.com/office/powerpoint/2010/main" xmlns:p15="http://schemas.microsoft.com/office/powerpoint/2012/main" xmlns:mc="http://schemas.openxmlformats.org/markup-compatibility/2006">
+  <p:cSld>
+    <p:spTree>
+      <p:nvGrpSpPr>
+        <p:cNvPr id="1" name=""/>
+        <p:cNvGrpSpPr/>
+        <p:nvPr/>
+      </p:nvGrpSpPr>
+      <p:grpSpPr>
+        <a:xfrm>
+          <a:off x="0" y="0"/>
+          <a:ext cx="0" cy="0"/>
+          <a:chOff x="0" y="0"/>
+          <a:chExt cx="0" cy="0"/>
+        </a:xfrm>
+      </p:grpSpPr>
+      <p:sp>
+        <p:nvSpPr>
+          <p:cNvPr id="76" name="Text 19"/>
+          <p:cNvSpPr/>
+          <p:nvPr/>
+        </p:nvSpPr>
+        <p:spPr>
+          <a:xfrm>
+            <a:off x="457200" y="1828800"/>
+            <a:ext cx="5670000" cy="708120"/>
+          </a:xfrm>
+          <a:prstGeom prst="rect">
+            <a:avLst/>
+          </a:prstGeom>
+          <a:noFill/>
+          <a:ln w="0">
+            <a:noFill/>
+          </a:ln>
+        </p:spPr>
+        <p:style>
+          <a:lnRef idx="0"/>
+          <a:fillRef idx="0"/>
+          <a:effectRef idx="0"/>
+          <a:fontRef idx="minor"/>
+        </p:style>
+        <p:txBody>
+          <a:bodyPr wrap="none" lIns="0" rIns="0" tIns="0" bIns="0" anchor="t">
+            <a:noAutofit/>
+          </a:bodyPr>
+          <a:p>
+            <a:pPr>
+              <a:lnSpc>
+                <a:spcPts val="5550"/>
+              </a:lnSpc>
+              <a:tabLst>
+                <a:tab algn="l" pos="0"/>
+              </a:tabLst>
+            </a:pPr>
+            <a:r>
+              <a:rPr b="0" lang="en-US" sz="4450" spc="-1" strike="noStrike">
+                <a:solidFill>
+                  <a:srgbClr val="124e73"/>
+                </a:solidFill>
+                <a:latin typeface="MuseoModerno Medium"/>
+                <a:ea typeface="MuseoModerno Medium"/>
+              </a:rPr>
+              <a:t>Examples with generated fake data</a:t>
+            </a:r>
+            <a:endParaRPr b="0" lang="en-US" sz="4450" spc="-1" strike="noStrike">
+              <a:solidFill>
+                <a:srgbClr val="000000"/>
+              </a:solidFill>
+              <a:latin typeface="Arial"/>
+            </a:endParaRPr>
+          </a:p>
+        </p:txBody>
+      </p:sp>
+      <p:sp>
+        <p:nvSpPr>
+          <p:cNvPr id="77" name=""/>
+          <p:cNvSpPr txBox="1"/>
+          <p:nvPr/>
+        </p:nvSpPr>
+        <p:spPr>
+          <a:xfrm>
+            <a:off x="457200" y="2955960"/>
+            <a:ext cx="11658600" cy="930240"/>
+          </a:xfrm>
+          <a:prstGeom prst="rect">
+            <a:avLst/>
+          </a:prstGeom>
+          <a:noFill/>
+          <a:ln w="0">
+            <a:noFill/>
+          </a:ln>
+        </p:spPr>
+        <p:txBody>
+          <a:bodyPr lIns="90000" rIns="90000" tIns="45000" bIns="45000" anchor="t">
+            <a:noAutofit/>
+          </a:bodyPr>
+          <a:p>
+            <a:r>
+              <a:rPr b="1" lang="en-US" sz="2200" spc="-1" strike="noStrike">
+                <a:solidFill>
+                  <a:srgbClr val="2b4150"/>
+                </a:solidFill>
+                <a:latin typeface="MuseoModerno Medium"/>
+                <a:ea typeface="MuseoModerno Medium"/>
+              </a:rPr>
+              <a:t>If I were increase sales by $2M next week, what pricing decisions can I make to enable that? Based on elasticity</a:t>
+            </a:r>
+            <a:endParaRPr b="1" lang="en-US" sz="2200" spc="-1" strike="noStrike">
+              <a:solidFill>
+                <a:srgbClr val="000000"/>
+              </a:solidFill>
+              <a:latin typeface="Arial"/>
+            </a:endParaRPr>
+          </a:p>
+        </p:txBody>
+      </p:sp>
+      <p:pic>
+        <p:nvPicPr>
+          <p:cNvPr id="78" name="" descr=""/>
+          <p:cNvPicPr/>
+          <p:nvPr/>
+        </p:nvPicPr>
+        <p:blipFill>
+          <a:blip r:embed="rId1"/>
+          <a:stretch/>
+        </p:blipFill>
+        <p:spPr>
+          <a:xfrm>
+            <a:off x="457200" y="3948120"/>
+            <a:ext cx="13030200" cy="3595680"/>
+          </a:xfrm>
+          <a:prstGeom prst="rect">
+            <a:avLst/>
+          </a:prstGeom>
+          <a:ln w="0">
+            <a:noFill/>
+          </a:ln>
+        </p:spPr>
+      </p:pic>
     </p:spTree>
   </p:cSld>
   <mc:AlternateContent>
@@ -3354,7 +4506,7 @@
         <p:spPr>
           <a:xfrm>
             <a:off x="793800" y="2312640"/>
-            <a:ext cx="5670360" cy="708480"/>
+            <a:ext cx="5670000" cy="708120"/>
           </a:xfrm>
           <a:prstGeom prst="rect">
             <a:avLst/>
@@ -3411,7 +4563,7 @@
         <p:spPr>
           <a:xfrm>
             <a:off x="793800" y="3588480"/>
-            <a:ext cx="3977640" cy="708480"/>
+            <a:ext cx="3977280" cy="708120"/>
           </a:xfrm>
           <a:prstGeom prst="rect">
             <a:avLst/>
@@ -3468,7 +4620,7 @@
         <p:spPr>
           <a:xfrm>
             <a:off x="793800" y="4524120"/>
-            <a:ext cx="3977640" cy="725400"/>
+            <a:ext cx="3977280" cy="725040"/>
           </a:xfrm>
           <a:prstGeom prst="rect">
             <a:avLst/>
@@ -3525,7 +4677,7 @@
         <p:spPr>
           <a:xfrm>
             <a:off x="5333040" y="3588480"/>
-            <a:ext cx="3977640" cy="708480"/>
+            <a:ext cx="3977280" cy="708120"/>
           </a:xfrm>
           <a:prstGeom prst="rect">
             <a:avLst/>
@@ -3582,7 +4734,7 @@
         <p:spPr>
           <a:xfrm>
             <a:off x="5333040" y="4524120"/>
-            <a:ext cx="3977640" cy="725400"/>
+            <a:ext cx="3977280" cy="725040"/>
           </a:xfrm>
           <a:prstGeom prst="rect">
             <a:avLst/>
@@ -3639,7 +4791,7 @@
         <p:spPr>
           <a:xfrm>
             <a:off x="9871920" y="3588480"/>
-            <a:ext cx="3532680" cy="353880"/>
+            <a:ext cx="3532320" cy="353520"/>
           </a:xfrm>
           <a:prstGeom prst="rect">
             <a:avLst/>
@@ -3696,7 +4848,7 @@
         <p:spPr>
           <a:xfrm>
             <a:off x="9871920" y="4169520"/>
-            <a:ext cx="3977640" cy="1088280"/>
+            <a:ext cx="3977280" cy="1087920"/>
           </a:xfrm>
           <a:prstGeom prst="rect">
             <a:avLst/>
@@ -3774,39 +4926,16 @@
           <a:chExt cx="0" cy="0"/>
         </a:xfrm>
       </p:grpSpPr>
-      <p:pic>
-        <p:nvPicPr>
-          <p:cNvPr id="38" name="Image 0" descr="preencoded.png"/>
-          <p:cNvPicPr/>
-          <p:nvPr/>
-        </p:nvPicPr>
-        <p:blipFill>
-          <a:blip r:embed="rId1"/>
-          <a:stretch/>
-        </p:blipFill>
-        <p:spPr>
-          <a:xfrm>
-            <a:off x="0" y="0"/>
-            <a:ext cx="5486040" cy="8229240"/>
-          </a:xfrm>
-          <a:prstGeom prst="rect">
-            <a:avLst/>
-          </a:prstGeom>
-          <a:ln w="0">
-            <a:noFill/>
-          </a:ln>
-        </p:spPr>
-      </p:pic>
-      <p:sp>
-        <p:nvSpPr>
-          <p:cNvPr id="39" name="Text 0"/>
+      <p:sp>
+        <p:nvSpPr>
+          <p:cNvPr id="38" name="Text 9"/>
           <p:cNvSpPr/>
           <p:nvPr/>
         </p:nvSpPr>
         <p:spPr>
           <a:xfrm>
-            <a:off x="685800" y="2286000"/>
-            <a:ext cx="6629400" cy="708480"/>
+            <a:off x="793800" y="2312640"/>
+            <a:ext cx="5670000" cy="708120"/>
           </a:xfrm>
           <a:prstGeom prst="rect">
             <a:avLst/>
@@ -3843,7 +4972,7 @@
                 <a:latin typeface="MuseoModerno Medium"/>
                 <a:ea typeface="MuseoModerno Medium"/>
               </a:rPr>
-              <a:t>LangGraph Multi-Agent Flow</a:t>
+              <a:t>Elasticity Equation</a:t>
             </a:r>
             <a:endParaRPr b="0" lang="en-US" sz="4450" spc="-1" strike="noStrike">
               <a:solidFill>
@@ -3854,39 +4983,16 @@
           </a:p>
         </p:txBody>
       </p:sp>
-      <p:pic>
-        <p:nvPicPr>
-          <p:cNvPr id="40" name="Image 1" descr="preencoded.png"/>
-          <p:cNvPicPr/>
-          <p:nvPr/>
-        </p:nvPicPr>
-        <p:blipFill>
-          <a:blip r:embed="rId2"/>
-          <a:stretch/>
-        </p:blipFill>
-        <p:spPr>
-          <a:xfrm>
-            <a:off x="685800" y="3335040"/>
-            <a:ext cx="1133640" cy="1360440"/>
-          </a:xfrm>
-          <a:prstGeom prst="rect">
-            <a:avLst/>
-          </a:prstGeom>
-          <a:ln w="0">
-            <a:noFill/>
-          </a:ln>
-        </p:spPr>
-      </p:pic>
-      <p:sp>
-        <p:nvSpPr>
-          <p:cNvPr id="41" name="Text 1"/>
+      <p:sp>
+        <p:nvSpPr>
+          <p:cNvPr id="39" name="Text 17"/>
           <p:cNvSpPr/>
           <p:nvPr/>
         </p:nvSpPr>
         <p:spPr>
           <a:xfrm>
-            <a:off x="2160000" y="3561840"/>
-            <a:ext cx="2835000" cy="353880"/>
+            <a:off x="4800600" y="3886200"/>
+            <a:ext cx="3532320" cy="353520"/>
           </a:xfrm>
           <a:prstGeom prst="rect">
             <a:avLst/>
@@ -3918,12 +5024,62 @@
             <a:r>
               <a:rPr b="0" lang="en-US" sz="2200" spc="-1" strike="noStrike">
                 <a:solidFill>
-                  <a:srgbClr val="2b4150"/>
+                  <a:srgbClr val="124e73"/>
                 </a:solidFill>
                 <a:latin typeface="MuseoModerno Medium"/>
                 <a:ea typeface="MuseoModerno Medium"/>
               </a:rPr>
-              <a:t>SQLAgent</a:t>
+              <a:t>ln(Q) = </a:t>
+            </a:r>
+            <a:r>
+              <a:rPr b="0" lang="en-US" sz="2200" spc="-1" strike="noStrike">
+                <a:solidFill>
+                  <a:srgbClr val="124e73"/>
+                </a:solidFill>
+                <a:latin typeface="DejaVu Sans"/>
+                <a:ea typeface="DejaVu Sans"/>
+              </a:rPr>
+              <a:t>⍺</a:t>
+            </a:r>
+            <a:r>
+              <a:rPr b="0" lang="en-US" sz="2200" spc="-1" strike="noStrike">
+                <a:solidFill>
+                  <a:srgbClr val="124e73"/>
+                </a:solidFill>
+                <a:latin typeface="MuseoModerno Medium"/>
+                <a:ea typeface="MuseoModerno Medium"/>
+              </a:rPr>
+              <a:t> + </a:t>
+            </a:r>
+            <a:r>
+              <a:rPr b="0" lang="en-US" sz="2200" spc="-1" strike="noStrike">
+                <a:solidFill>
+                  <a:srgbClr val="124e73"/>
+                </a:solidFill>
+                <a:latin typeface="DejaVu Sans"/>
+                <a:ea typeface="DejaVu Sans"/>
+              </a:rPr>
+              <a:t>β</a:t>
+            </a:r>
+            <a:r>
+              <a:rPr b="0" lang="en-US" sz="2200" spc="-1" strike="noStrike">
+                <a:solidFill>
+                  <a:srgbClr val="124e73"/>
+                </a:solidFill>
+                <a:latin typeface="MuseoModerno Medium"/>
+                <a:ea typeface="MuseoModerno Medium"/>
+              </a:rPr>
+              <a:t>ln(P) + </a:t>
+            </a:r>
+            <a:r>
+              <a:rPr b="0" lang="en-US" sz="2200" spc="-1" strike="noStrike">
+                <a:solidFill>
+                  <a:srgbClr val="124e73"/>
+                </a:solidFill>
+                <a:latin typeface="DejaVu Sans"/>
+                <a:ea typeface="DejaVu Sans"/>
+              </a:rPr>
+              <a:t>ε</a:t>
             </a:r>
             <a:endParaRPr b="0" lang="en-US" sz="2200" spc="-1" strike="noStrike">
               <a:solidFill>
@@ -3936,14 +5092,14 @@
       </p:sp>
       <p:sp>
         <p:nvSpPr>
-          <p:cNvPr id="42" name="Text 2"/>
+          <p:cNvPr id="40" name="Text 18"/>
           <p:cNvSpPr/>
           <p:nvPr/>
         </p:nvSpPr>
         <p:spPr>
           <a:xfrm>
-            <a:off x="2160000" y="4052160"/>
-            <a:ext cx="6081840" cy="362520"/>
+            <a:off x="823320" y="4307400"/>
+            <a:ext cx="12435480" cy="914400"/>
           </a:xfrm>
           <a:prstGeom prst="rect">
             <a:avLst/>
@@ -3960,7 +5116,7 @@
           <a:fontRef idx="minor"/>
         </p:style>
         <p:txBody>
-          <a:bodyPr wrap="none" lIns="0" rIns="0" tIns="0" bIns="0" anchor="t">
+          <a:bodyPr lIns="0" rIns="0" tIns="0" bIns="0" anchor="t">
             <a:noAutofit/>
           </a:bodyPr>
           <a:p>
@@ -3968,6 +5124,12 @@
               <a:lnSpc>
                 <a:spcPts val="2849"/>
               </a:lnSpc>
+              <a:spcBef>
+                <a:spcPts val="1191"/>
+              </a:spcBef>
+              <a:spcAft>
+                <a:spcPts val="992"/>
+              </a:spcAft>
               <a:tabLst>
                 <a:tab algn="l" pos="0"/>
               </a:tabLst>
@@ -3980,7 +5142,7 @@
                 <a:latin typeface="Source Sans Pro"/>
                 <a:ea typeface="Source Sans Pro"/>
               </a:rPr>
-              <a:t>Interacts with the SQLite database using a SQL toolkit.</a:t>
+              <a:t>Where:</a:t>
             </a:r>
             <a:endParaRPr b="0" lang="en-US" sz="1750" spc="-1" strike="noStrike">
               <a:solidFill>
@@ -3989,60 +5151,6 @@
               <a:latin typeface="Arial"/>
             </a:endParaRPr>
           </a:p>
-        </p:txBody>
-      </p:sp>
-      <p:pic>
-        <p:nvPicPr>
-          <p:cNvPr id="43" name="Image 2" descr="preencoded.png"/>
-          <p:cNvPicPr/>
-          <p:nvPr/>
-        </p:nvPicPr>
-        <p:blipFill>
-          <a:blip r:embed="rId3"/>
-          <a:stretch/>
-        </p:blipFill>
-        <p:spPr>
-          <a:xfrm>
-            <a:off x="685800" y="4695840"/>
-            <a:ext cx="1133640" cy="1360440"/>
-          </a:xfrm>
-          <a:prstGeom prst="rect">
-            <a:avLst/>
-          </a:prstGeom>
-          <a:ln w="0">
-            <a:noFill/>
-          </a:ln>
-        </p:spPr>
-      </p:pic>
-      <p:sp>
-        <p:nvSpPr>
-          <p:cNvPr id="44" name="Text 3"/>
-          <p:cNvSpPr/>
-          <p:nvPr/>
-        </p:nvSpPr>
-        <p:spPr>
-          <a:xfrm>
-            <a:off x="2160000" y="4922640"/>
-            <a:ext cx="2835000" cy="353880"/>
-          </a:xfrm>
-          <a:prstGeom prst="rect">
-            <a:avLst/>
-          </a:prstGeom>
-          <a:noFill/>
-          <a:ln w="0">
-            <a:noFill/>
-          </a:ln>
-        </p:spPr>
-        <p:style>
-          <a:lnRef idx="0"/>
-          <a:fillRef idx="0"/>
-          <a:effectRef idx="0"/>
-          <a:fontRef idx="minor"/>
-        </p:style>
-        <p:txBody>
-          <a:bodyPr wrap="none" lIns="0" rIns="0" tIns="0" bIns="0" anchor="t">
-            <a:noAutofit/>
-          </a:bodyPr>
           <a:p>
             <a:pPr>
               <a:lnSpc>
@@ -4055,56 +5163,215 @@
             <a:r>
               <a:rPr b="0" lang="en-US" sz="2200" spc="-1" strike="noStrike">
                 <a:solidFill>
-                  <a:srgbClr val="2b4150"/>
+                  <a:srgbClr val="124e73"/>
                 </a:solidFill>
                 <a:latin typeface="MuseoModerno Medium"/>
                 <a:ea typeface="MuseoModerno Medium"/>
               </a:rPr>
-              <a:t>PricingAnalystAgent</a:t>
-            </a:r>
-            <a:endParaRPr b="0" lang="en-US" sz="2200" spc="-1" strike="noStrike">
-              <a:solidFill>
-                <a:srgbClr val="000000"/>
-              </a:solidFill>
-              <a:latin typeface="Arial"/>
-            </a:endParaRPr>
-          </a:p>
-        </p:txBody>
-      </p:sp>
-      <p:sp>
-        <p:nvSpPr>
-          <p:cNvPr id="45" name="Text 4"/>
-          <p:cNvSpPr/>
-          <p:nvPr/>
-        </p:nvSpPr>
-        <p:spPr>
-          <a:xfrm>
-            <a:off x="2160000" y="5412960"/>
-            <a:ext cx="6081840" cy="362520"/>
-          </a:xfrm>
-          <a:prstGeom prst="rect">
-            <a:avLst/>
-          </a:prstGeom>
-          <a:noFill/>
-          <a:ln w="0">
-            <a:noFill/>
-          </a:ln>
-        </p:spPr>
-        <p:style>
-          <a:lnRef idx="0"/>
-          <a:fillRef idx="0"/>
-          <a:effectRef idx="0"/>
-          <a:fontRef idx="minor"/>
-        </p:style>
-        <p:txBody>
-          <a:bodyPr wrap="none" lIns="0" rIns="0" tIns="0" bIns="0" anchor="t">
-            <a:noAutofit/>
-          </a:bodyPr>
+              <a:t>* Q </a:t>
+            </a:r>
+            <a:r>
+              <a:rPr b="0" lang="en-US" sz="1750" spc="-1" strike="noStrike">
+                <a:solidFill>
+                  <a:srgbClr val="2b4150"/>
+                </a:solidFill>
+                <a:latin typeface="Source Sans Pro"/>
+                <a:ea typeface="Source Sans Pro"/>
+              </a:rPr>
+              <a:t>is the quantity demanded. </a:t>
+            </a:r>
+            <a:endParaRPr b="0" lang="en-US" sz="1750" spc="-1" strike="noStrike">
+              <a:solidFill>
+                <a:srgbClr val="000000"/>
+              </a:solidFill>
+              <a:latin typeface="Arial"/>
+            </a:endParaRPr>
+          </a:p>
+          <a:p>
+            <a:pPr>
+              <a:lnSpc>
+                <a:spcPts val="2750"/>
+              </a:lnSpc>
+              <a:tabLst>
+                <a:tab algn="l" pos="0"/>
+              </a:tabLst>
+            </a:pPr>
+            <a:r>
+              <a:rPr b="0" lang="en-US" sz="2200" spc="-1" strike="noStrike">
+                <a:solidFill>
+                  <a:srgbClr val="124e73"/>
+                </a:solidFill>
+                <a:latin typeface="MuseoModerno Medium"/>
+                <a:ea typeface="MuseoModerno Medium"/>
+              </a:rPr>
+              <a:t>* P </a:t>
+            </a:r>
+            <a:r>
+              <a:rPr b="0" lang="en-US" sz="1750" spc="-1" strike="noStrike">
+                <a:solidFill>
+                  <a:srgbClr val="2b4150"/>
+                </a:solidFill>
+                <a:latin typeface="Source Sans Pro"/>
+                <a:ea typeface="Source Sans Pro"/>
+              </a:rPr>
+              <a:t>is the price (which may be the </a:t>
+            </a:r>
+            <a:r>
+              <a:rPr b="0" lang="en-US" sz="1750" spc="-1" strike="noStrike">
+                <a:solidFill>
+                  <a:srgbClr val="2b4150"/>
+                </a:solidFill>
+                <a:latin typeface="Source Sans Pro"/>
+                <a:ea typeface="Source Sans Pro"/>
+              </a:rPr>
+              <a:t>regular price or sale price).</a:t>
+            </a:r>
+            <a:endParaRPr b="0" lang="en-US" sz="1750" spc="-1" strike="noStrike">
+              <a:solidFill>
+                <a:srgbClr val="000000"/>
+              </a:solidFill>
+              <a:latin typeface="Arial"/>
+            </a:endParaRPr>
+          </a:p>
+          <a:p>
+            <a:pPr>
+              <a:lnSpc>
+                <a:spcPts val="2750"/>
+              </a:lnSpc>
+              <a:tabLst>
+                <a:tab algn="l" pos="0"/>
+              </a:tabLst>
+            </a:pPr>
+            <a:r>
+              <a:rPr b="0" lang="en-US" sz="2200" spc="-1" strike="noStrike">
+                <a:solidFill>
+                  <a:srgbClr val="124e73"/>
+                </a:solidFill>
+                <a:latin typeface="DejaVu Sans"/>
+                <a:ea typeface="DejaVu Sans"/>
+              </a:rPr>
+              <a:t>* ⍺ </a:t>
+            </a:r>
+            <a:r>
+              <a:rPr b="0" lang="en-US" sz="1750" spc="-1" strike="noStrike">
+                <a:solidFill>
+                  <a:srgbClr val="2b4150"/>
+                </a:solidFill>
+                <a:latin typeface="Source Sans Pro"/>
+                <a:ea typeface="Source Sans Pro"/>
+              </a:rPr>
+              <a:t>is the intercept term.</a:t>
+            </a:r>
+            <a:endParaRPr b="0" lang="en-US" sz="1750" spc="-1" strike="noStrike">
+              <a:solidFill>
+                <a:srgbClr val="000000"/>
+              </a:solidFill>
+              <a:latin typeface="Arial"/>
+            </a:endParaRPr>
+          </a:p>
+          <a:p>
+            <a:pPr>
+              <a:lnSpc>
+                <a:spcPts val="2750"/>
+              </a:lnSpc>
+              <a:tabLst>
+                <a:tab algn="l" pos="0"/>
+              </a:tabLst>
+            </a:pPr>
+            <a:r>
+              <a:rPr b="0" lang="en-US" sz="2200" spc="-1" strike="noStrike">
+                <a:solidFill>
+                  <a:srgbClr val="124e73"/>
+                </a:solidFill>
+                <a:latin typeface="DejaVu Sans"/>
+                <a:ea typeface="DejaVu Sans"/>
+              </a:rPr>
+              <a:t>* β </a:t>
+            </a:r>
+            <a:r>
+              <a:rPr b="0" lang="en-US" sz="1750" spc="-1" strike="noStrike">
+                <a:solidFill>
+                  <a:srgbClr val="2b4150"/>
+                </a:solidFill>
+                <a:latin typeface="Source Sans Pro"/>
+                <a:ea typeface="Source Sans Pro"/>
+              </a:rPr>
+              <a:t>is the elasticity coefficient, </a:t>
+            </a:r>
+            <a:r>
+              <a:rPr b="0" lang="en-US" sz="1750" spc="-1" strike="noStrike">
+                <a:solidFill>
+                  <a:srgbClr val="2b4150"/>
+                </a:solidFill>
+                <a:latin typeface="Source Sans Pro"/>
+                <a:ea typeface="Source Sans Pro"/>
+              </a:rPr>
+              <a:t>representing the percentage change </a:t>
+            </a:r>
+            <a:r>
+              <a:rPr b="0" lang="en-US" sz="1750" spc="-1" strike="noStrike">
+                <a:solidFill>
+                  <a:srgbClr val="2b4150"/>
+                </a:solidFill>
+                <a:latin typeface="Source Sans Pro"/>
+                <a:ea typeface="Source Sans Pro"/>
+              </a:rPr>
+              <a:t>in quantity for a 1% change in price.</a:t>
+            </a:r>
+            <a:endParaRPr b="0" lang="en-US" sz="1750" spc="-1" strike="noStrike">
+              <a:solidFill>
+                <a:srgbClr val="000000"/>
+              </a:solidFill>
+              <a:latin typeface="Arial"/>
+            </a:endParaRPr>
+          </a:p>
+          <a:p>
+            <a:pPr>
+              <a:lnSpc>
+                <a:spcPts val="2750"/>
+              </a:lnSpc>
+              <a:tabLst>
+                <a:tab algn="l" pos="0"/>
+              </a:tabLst>
+            </a:pPr>
+            <a:r>
+              <a:rPr b="0" lang="en-US" sz="2200" spc="-1" strike="noStrike">
+                <a:solidFill>
+                  <a:srgbClr val="124e73"/>
+                </a:solidFill>
+                <a:latin typeface="DejaVu Sans"/>
+                <a:ea typeface="DejaVu Sans"/>
+              </a:rPr>
+              <a:t>* ε </a:t>
+            </a:r>
+            <a:r>
+              <a:rPr b="0" lang="en-US" sz="1750" spc="-1" strike="noStrike">
+                <a:solidFill>
+                  <a:srgbClr val="2b4150"/>
+                </a:solidFill>
+                <a:latin typeface="Source Sans Pro"/>
+                <a:ea typeface="Source Sans Pro"/>
+              </a:rPr>
+              <a:t>is the error term.</a:t>
+            </a:r>
+            <a:endParaRPr b="0" lang="en-US" sz="1750" spc="-1" strike="noStrike">
+              <a:solidFill>
+                <a:srgbClr val="000000"/>
+              </a:solidFill>
+              <a:latin typeface="Arial"/>
+            </a:endParaRPr>
+          </a:p>
           <a:p>
             <a:pPr>
               <a:lnSpc>
                 <a:spcPts val="2849"/>
               </a:lnSpc>
+              <a:spcBef>
+                <a:spcPts val="1191"/>
+              </a:spcBef>
+              <a:spcAft>
+                <a:spcPts val="992"/>
+              </a:spcAft>
               <a:tabLst>
                 <a:tab algn="l" pos="0"/>
               </a:tabLst>
@@ -4117,7 +5384,37 @@
                 <a:latin typeface="Source Sans Pro"/>
                 <a:ea typeface="Source Sans Pro"/>
               </a:rPr>
-              <a:t>Acts as an expert in pricing analysis and strategy.</a:t>
+              <a:t>The absolute value of </a:t>
+            </a:r>
+            <a:r>
+              <a:rPr b="0" lang="en-US" sz="2200" spc="-1" strike="noStrike">
+                <a:solidFill>
+                  <a:srgbClr val="124e73"/>
+                </a:solidFill>
+                <a:latin typeface="DejaVu Sans"/>
+                <a:ea typeface="DejaVu Sans"/>
+              </a:rPr>
+              <a:t>β </a:t>
+            </a:r>
+            <a:r>
+              <a:rPr b="0" lang="en-US" sz="1750" spc="-1" strike="noStrike">
+                <a:solidFill>
+                  <a:srgbClr val="2b4150"/>
+                </a:solidFill>
+                <a:latin typeface="Source Sans Pro"/>
+                <a:ea typeface="Source Sans Pro"/>
+              </a:rPr>
+              <a:t>is used to </a:t>
+            </a:r>
+            <a:r>
+              <a:rPr b="0" lang="en-US" sz="1750" spc="-1" strike="noStrike">
+                <a:solidFill>
+                  <a:srgbClr val="2b4150"/>
+                </a:solidFill>
+                <a:latin typeface="Source Sans Pro"/>
+                <a:ea typeface="Source Sans Pro"/>
+              </a:rPr>
+              <a:t>report elasticity magnitude.</a:t>
             </a:r>
             <a:endParaRPr b="0" lang="en-US" sz="1750" spc="-1" strike="noStrike">
               <a:solidFill>
@@ -4128,29 +5425,59 @@
           </a:p>
         </p:txBody>
       </p:sp>
-      <p:pic>
-        <p:nvPicPr>
-          <p:cNvPr id="46" name="" descr=""/>
-          <p:cNvPicPr/>
+      <p:sp>
+        <p:nvSpPr>
+          <p:cNvPr id="41" name=""/>
+          <p:cNvSpPr txBox="1"/>
           <p:nvPr/>
-        </p:nvPicPr>
-        <p:blipFill>
-          <a:blip r:embed="rId4"/>
-          <a:stretch/>
-        </p:blipFill>
-        <p:spPr>
-          <a:xfrm>
-            <a:off x="11559960" y="1143000"/>
-            <a:ext cx="2384640" cy="6524280"/>
-          </a:xfrm>
-          <a:prstGeom prst="rect">
-            <a:avLst/>
-          </a:prstGeom>
-          <a:ln w="0">
-            <a:noFill/>
-          </a:ln>
-        </p:spPr>
-      </p:pic>
+        </p:nvSpPr>
+        <p:spPr>
+          <a:xfrm>
+            <a:off x="685800" y="3263760"/>
+            <a:ext cx="11773800" cy="393840"/>
+          </a:xfrm>
+          <a:prstGeom prst="rect">
+            <a:avLst/>
+          </a:prstGeom>
+          <a:noFill/>
+          <a:ln w="0">
+            <a:noFill/>
+          </a:ln>
+        </p:spPr>
+        <p:txBody>
+          <a:bodyPr lIns="90000" rIns="90000" tIns="45000" bIns="45000" anchor="t">
+            <a:noAutofit/>
+          </a:bodyPr>
+          <a:p>
+            <a:r>
+              <a:rPr b="0" lang="en-US" sz="1750" spc="-1" strike="noStrike">
+                <a:solidFill>
+                  <a:srgbClr val="2b4150"/>
+                </a:solidFill>
+                <a:latin typeface="Source Sans Pro"/>
+                <a:ea typeface="Source Sans Pro"/>
+              </a:rPr>
+              <a:t> </a:t>
+            </a:r>
+            <a:r>
+              <a:rPr b="0" lang="en-US" sz="1750" spc="-1" strike="noStrike">
+                <a:solidFill>
+                  <a:srgbClr val="2b4150"/>
+                </a:solidFill>
+                <a:latin typeface="Source Sans Pro"/>
+                <a:ea typeface="Source Sans Pro"/>
+              </a:rPr>
+              <a:t>Price elasticity is measured using a log-log linear regression model. The model is expressed mathematically as:</a:t>
+            </a:r>
+            <a:endParaRPr b="0" lang="en-US" sz="1750" spc="-1" strike="noStrike">
+              <a:solidFill>
+                <a:srgbClr val="000000"/>
+              </a:solidFill>
+              <a:latin typeface="Arial"/>
+            </a:endParaRPr>
+          </a:p>
+        </p:txBody>
+      </p:sp>
     </p:spTree>
   </p:cSld>
   <mc:AlternateContent>
@@ -4181,16 +5508,39 @@
           <a:chExt cx="0" cy="0"/>
         </a:xfrm>
       </p:grpSpPr>
-      <p:sp>
-        <p:nvSpPr>
-          <p:cNvPr id="47" name="Text 0"/>
+      <p:pic>
+        <p:nvPicPr>
+          <p:cNvPr id="42" name="Image 0" descr="preencoded.png"/>
+          <p:cNvPicPr/>
+          <p:nvPr/>
+        </p:nvPicPr>
+        <p:blipFill>
+          <a:blip r:embed="rId1"/>
+          <a:stretch/>
+        </p:blipFill>
+        <p:spPr>
+          <a:xfrm>
+            <a:off x="0" y="0"/>
+            <a:ext cx="5485680" cy="8228880"/>
+          </a:xfrm>
+          <a:prstGeom prst="rect">
+            <a:avLst/>
+          </a:prstGeom>
+          <a:ln w="0">
+            <a:noFill/>
+          </a:ln>
+        </p:spPr>
+      </p:pic>
+      <p:sp>
+        <p:nvSpPr>
+          <p:cNvPr id="43" name="Text 0"/>
           <p:cNvSpPr/>
           <p:nvPr/>
         </p:nvSpPr>
         <p:spPr>
           <a:xfrm>
-            <a:off x="457200" y="1828800"/>
-            <a:ext cx="5670360" cy="708480"/>
+            <a:off x="685800" y="2286000"/>
+            <a:ext cx="6629040" cy="708120"/>
           </a:xfrm>
           <a:prstGeom prst="rect">
             <a:avLst/>
@@ -4227,7 +5577,7 @@
                 <a:latin typeface="MuseoModerno Medium"/>
                 <a:ea typeface="MuseoModerno Medium"/>
               </a:rPr>
-              <a:t>Summary</a:t>
+              <a:t>LangGraph Multi-Agentic Workflow</a:t>
             </a:r>
             <a:endParaRPr b="0" lang="en-US" sz="4450" spc="-1" strike="noStrike">
               <a:solidFill>
@@ -4238,25 +5588,44 @@
           </a:p>
         </p:txBody>
       </p:sp>
-      <p:sp>
-        <p:nvSpPr>
-          <p:cNvPr id="48" name="Shape 1"/>
+      <p:pic>
+        <p:nvPicPr>
+          <p:cNvPr id="44" name="Image 1" descr="preencoded.png"/>
+          <p:cNvPicPr/>
+          <p:nvPr/>
+        </p:nvPicPr>
+        <p:blipFill>
+          <a:blip r:embed="rId2"/>
+          <a:stretch/>
+        </p:blipFill>
+        <p:spPr>
+          <a:xfrm>
+            <a:off x="685800" y="3335040"/>
+            <a:ext cx="1133280" cy="1360080"/>
+          </a:xfrm>
+          <a:prstGeom prst="rect">
+            <a:avLst/>
+          </a:prstGeom>
+          <a:ln w="0">
+            <a:noFill/>
+          </a:ln>
+        </p:spPr>
+      </p:pic>
+      <p:sp>
+        <p:nvSpPr>
+          <p:cNvPr id="45" name="Text 1"/>
           <p:cNvSpPr/>
           <p:nvPr/>
         </p:nvSpPr>
         <p:spPr>
           <a:xfrm>
-            <a:off x="457200" y="3132720"/>
-            <a:ext cx="510120" cy="510120"/>
-          </a:xfrm>
-          <a:prstGeom prst="roundRect">
-            <a:avLst>
-              <a:gd name="adj" fmla="val 6667"/>
-            </a:avLst>
-          </a:prstGeom>
-          <a:solidFill>
-            <a:srgbClr val="f3eee3"/>
-          </a:solidFill>
+            <a:off x="2160000" y="3561840"/>
+            <a:ext cx="2834640" cy="353520"/>
+          </a:xfrm>
+          <a:prstGeom prst="rect">
+            <a:avLst/>
+          </a:prstGeom>
+          <a:noFill/>
           <a:ln w="0">
             <a:noFill/>
           </a:ln>
@@ -4268,10 +5637,380 @@
           <a:fontRef idx="minor"/>
         </p:style>
         <p:txBody>
+          <a:bodyPr wrap="none" lIns="0" rIns="0" tIns="0" bIns="0" anchor="t">
+            <a:noAutofit/>
+          </a:bodyPr>
+          <a:p>
+            <a:pPr>
+              <a:lnSpc>
+                <a:spcPts val="2750"/>
+              </a:lnSpc>
+              <a:tabLst>
+                <a:tab algn="l" pos="0"/>
+              </a:tabLst>
+            </a:pPr>
+            <a:r>
+              <a:rPr b="0" lang="en-US" sz="2200" spc="-1" strike="noStrike">
+                <a:solidFill>
+                  <a:srgbClr val="2b4150"/>
+                </a:solidFill>
+                <a:latin typeface="MuseoModerno Medium"/>
+                <a:ea typeface="MuseoModerno Medium"/>
+              </a:rPr>
+              <a:t>SQLAgent</a:t>
+            </a:r>
+            <a:endParaRPr b="0" lang="en-US" sz="2200" spc="-1" strike="noStrike">
+              <a:solidFill>
+                <a:srgbClr val="000000"/>
+              </a:solidFill>
+              <a:latin typeface="Arial"/>
+            </a:endParaRPr>
+          </a:p>
+        </p:txBody>
+      </p:sp>
+      <p:sp>
+        <p:nvSpPr>
+          <p:cNvPr id="46" name="Text 2"/>
+          <p:cNvSpPr/>
+          <p:nvPr/>
+        </p:nvSpPr>
+        <p:spPr>
+          <a:xfrm>
+            <a:off x="2160000" y="4052160"/>
+            <a:ext cx="6081480" cy="362160"/>
+          </a:xfrm>
+          <a:prstGeom prst="rect">
+            <a:avLst/>
+          </a:prstGeom>
+          <a:noFill/>
+          <a:ln w="0">
+            <a:noFill/>
+          </a:ln>
+        </p:spPr>
+        <p:style>
+          <a:lnRef idx="0"/>
+          <a:fillRef idx="0"/>
+          <a:effectRef idx="0"/>
+          <a:fontRef idx="minor"/>
+        </p:style>
+        <p:txBody>
+          <a:bodyPr wrap="none" lIns="0" rIns="0" tIns="0" bIns="0" anchor="t">
+            <a:noAutofit/>
+          </a:bodyPr>
+          <a:p>
+            <a:pPr>
+              <a:lnSpc>
+                <a:spcPts val="2849"/>
+              </a:lnSpc>
+              <a:tabLst>
+                <a:tab algn="l" pos="0"/>
+              </a:tabLst>
+            </a:pPr>
+            <a:r>
+              <a:rPr b="0" lang="en-US" sz="1750" spc="-1" strike="noStrike">
+                <a:solidFill>
+                  <a:srgbClr val="2b4150"/>
+                </a:solidFill>
+                <a:latin typeface="Source Sans Pro"/>
+                <a:ea typeface="Source Sans Pro"/>
+              </a:rPr>
+              <a:t>Interacts with the SQLite database using a SQL toolkit.</a:t>
+            </a:r>
+            <a:endParaRPr b="0" lang="en-US" sz="1750" spc="-1" strike="noStrike">
+              <a:solidFill>
+                <a:srgbClr val="000000"/>
+              </a:solidFill>
+              <a:latin typeface="Arial"/>
+            </a:endParaRPr>
+          </a:p>
+        </p:txBody>
+      </p:sp>
+      <p:pic>
+        <p:nvPicPr>
+          <p:cNvPr id="47" name="Image 2" descr="preencoded.png"/>
+          <p:cNvPicPr/>
+          <p:nvPr/>
+        </p:nvPicPr>
+        <p:blipFill>
+          <a:blip r:embed="rId3"/>
+          <a:stretch/>
+        </p:blipFill>
+        <p:spPr>
+          <a:xfrm>
+            <a:off x="685800" y="4695840"/>
+            <a:ext cx="1133280" cy="1360080"/>
+          </a:xfrm>
+          <a:prstGeom prst="rect">
+            <a:avLst/>
+          </a:prstGeom>
+          <a:ln w="0">
+            <a:noFill/>
+          </a:ln>
+        </p:spPr>
+      </p:pic>
+      <p:sp>
+        <p:nvSpPr>
+          <p:cNvPr id="48" name="Text 3"/>
+          <p:cNvSpPr/>
+          <p:nvPr/>
+        </p:nvSpPr>
+        <p:spPr>
+          <a:xfrm>
+            <a:off x="2160000" y="4922640"/>
+            <a:ext cx="2834640" cy="353520"/>
+          </a:xfrm>
+          <a:prstGeom prst="rect">
+            <a:avLst/>
+          </a:prstGeom>
+          <a:noFill/>
+          <a:ln w="0">
+            <a:noFill/>
+          </a:ln>
+        </p:spPr>
+        <p:style>
+          <a:lnRef idx="0"/>
+          <a:fillRef idx="0"/>
+          <a:effectRef idx="0"/>
+          <a:fontRef idx="minor"/>
+        </p:style>
+        <p:txBody>
+          <a:bodyPr wrap="none" lIns="0" rIns="0" tIns="0" bIns="0" anchor="t">
+            <a:noAutofit/>
+          </a:bodyPr>
+          <a:p>
+            <a:pPr>
+              <a:lnSpc>
+                <a:spcPts val="2750"/>
+              </a:lnSpc>
+              <a:tabLst>
+                <a:tab algn="l" pos="0"/>
+              </a:tabLst>
+            </a:pPr>
+            <a:r>
+              <a:rPr b="0" lang="en-US" sz="2200" spc="-1" strike="noStrike">
+                <a:solidFill>
+                  <a:srgbClr val="2b4150"/>
+                </a:solidFill>
+                <a:latin typeface="MuseoModerno Medium"/>
+                <a:ea typeface="MuseoModerno Medium"/>
+              </a:rPr>
+              <a:t>PricingAnalystAgent</a:t>
+            </a:r>
+            <a:endParaRPr b="0" lang="en-US" sz="2200" spc="-1" strike="noStrike">
+              <a:solidFill>
+                <a:srgbClr val="000000"/>
+              </a:solidFill>
+              <a:latin typeface="Arial"/>
+            </a:endParaRPr>
+          </a:p>
+        </p:txBody>
+      </p:sp>
+      <p:sp>
+        <p:nvSpPr>
+          <p:cNvPr id="49" name="Text 4"/>
+          <p:cNvSpPr/>
+          <p:nvPr/>
+        </p:nvSpPr>
+        <p:spPr>
+          <a:xfrm>
+            <a:off x="2160000" y="5412960"/>
+            <a:ext cx="6081480" cy="362160"/>
+          </a:xfrm>
+          <a:prstGeom prst="rect">
+            <a:avLst/>
+          </a:prstGeom>
+          <a:noFill/>
+          <a:ln w="0">
+            <a:noFill/>
+          </a:ln>
+        </p:spPr>
+        <p:style>
+          <a:lnRef idx="0"/>
+          <a:fillRef idx="0"/>
+          <a:effectRef idx="0"/>
+          <a:fontRef idx="minor"/>
+        </p:style>
+        <p:txBody>
+          <a:bodyPr wrap="none" lIns="0" rIns="0" tIns="0" bIns="0" anchor="t">
+            <a:noAutofit/>
+          </a:bodyPr>
+          <a:p>
+            <a:pPr>
+              <a:lnSpc>
+                <a:spcPts val="2849"/>
+              </a:lnSpc>
+              <a:tabLst>
+                <a:tab algn="l" pos="0"/>
+              </a:tabLst>
+            </a:pPr>
+            <a:r>
+              <a:rPr b="0" lang="en-US" sz="1750" spc="-1" strike="noStrike">
+                <a:solidFill>
+                  <a:srgbClr val="2b4150"/>
+                </a:solidFill>
+                <a:latin typeface="Source Sans Pro"/>
+                <a:ea typeface="Source Sans Pro"/>
+              </a:rPr>
+              <a:t>Acts as an expert in pricing analysis and strategy.</a:t>
+            </a:r>
+            <a:endParaRPr b="0" lang="en-US" sz="1750" spc="-1" strike="noStrike">
+              <a:solidFill>
+                <a:srgbClr val="000000"/>
+              </a:solidFill>
+              <a:latin typeface="Arial"/>
+            </a:endParaRPr>
+          </a:p>
+        </p:txBody>
+      </p:sp>
+      <p:pic>
+        <p:nvPicPr>
+          <p:cNvPr id="50" name="" descr=""/>
+          <p:cNvPicPr/>
+          <p:nvPr/>
+        </p:nvPicPr>
+        <p:blipFill>
+          <a:blip r:embed="rId4"/>
+          <a:stretch/>
+        </p:blipFill>
+        <p:spPr>
+          <a:xfrm>
+            <a:off x="11559960" y="1143000"/>
+            <a:ext cx="2384280" cy="6523920"/>
+          </a:xfrm>
+          <a:prstGeom prst="rect">
+            <a:avLst/>
+          </a:prstGeom>
+          <a:ln w="0">
+            <a:noFill/>
+          </a:ln>
+        </p:spPr>
+      </p:pic>
+    </p:spTree>
+  </p:cSld>
+  <mc:AlternateContent>
+    <mc:Choice Requires="p14">
+      <p:transition spd="slow" p14:dur="2000"/>
+    </mc:Choice>
+    <mc:Fallback>
+      <p:transition spd="slow"/>
+    </mc:Fallback>
+  </mc:AlternateContent>
+</p:sld>
+</file>
+
+<file path=ppt/slides/slide5.xml><?xml version="1.0" encoding="utf-8"?>
+<p:sld xmlns:a="http://schemas.openxmlformats.org/drawingml/2006/main" xmlns:p="http://schemas.openxmlformats.org/presentationml/2006/main" xmlns:r="http://schemas.openxmlformats.org/officeDocument/2006/relationships" xmlns:p14="http://schemas.microsoft.com/office/powerpoint/2010/main" xmlns:p15="http://schemas.microsoft.com/office/powerpoint/2012/main" xmlns:mc="http://schemas.openxmlformats.org/markup-compatibility/2006">
+  <p:cSld>
+    <p:spTree>
+      <p:nvGrpSpPr>
+        <p:cNvPr id="1" name=""/>
+        <p:cNvGrpSpPr/>
+        <p:nvPr/>
+      </p:nvGrpSpPr>
+      <p:grpSpPr>
+        <a:xfrm>
+          <a:off x="0" y="0"/>
+          <a:ext cx="0" cy="0"/>
+          <a:chOff x="0" y="0"/>
+          <a:chExt cx="0" cy="0"/>
+        </a:xfrm>
+      </p:grpSpPr>
+      <p:sp>
+        <p:nvSpPr>
+          <p:cNvPr id="51" name="Text 0"/>
+          <p:cNvSpPr/>
+          <p:nvPr/>
+        </p:nvSpPr>
+        <p:spPr>
+          <a:xfrm>
+            <a:off x="457200" y="1828800"/>
+            <a:ext cx="5670000" cy="708120"/>
+          </a:xfrm>
+          <a:prstGeom prst="rect">
+            <a:avLst/>
+          </a:prstGeom>
+          <a:noFill/>
+          <a:ln w="0">
+            <a:noFill/>
+          </a:ln>
+        </p:spPr>
+        <p:style>
+          <a:lnRef idx="0"/>
+          <a:fillRef idx="0"/>
+          <a:effectRef idx="0"/>
+          <a:fontRef idx="minor"/>
+        </p:style>
+        <p:txBody>
+          <a:bodyPr wrap="none" lIns="0" rIns="0" tIns="0" bIns="0" anchor="t">
+            <a:noAutofit/>
+          </a:bodyPr>
+          <a:p>
+            <a:pPr>
+              <a:lnSpc>
+                <a:spcPts val="5550"/>
+              </a:lnSpc>
+              <a:tabLst>
+                <a:tab algn="l" pos="0"/>
+              </a:tabLst>
+            </a:pPr>
+            <a:r>
+              <a:rPr b="0" lang="en-US" sz="4450" spc="-1" strike="noStrike">
+                <a:solidFill>
+                  <a:srgbClr val="124e73"/>
+                </a:solidFill>
+                <a:latin typeface="MuseoModerno Medium"/>
+                <a:ea typeface="MuseoModerno Medium"/>
+              </a:rPr>
+              <a:t>Summary</a:t>
+            </a:r>
+            <a:endParaRPr b="0" lang="en-US" sz="4450" spc="-1" strike="noStrike">
+              <a:solidFill>
+                <a:srgbClr val="000000"/>
+              </a:solidFill>
+              <a:latin typeface="Arial"/>
+            </a:endParaRPr>
+          </a:p>
+        </p:txBody>
+      </p:sp>
+      <p:sp>
+        <p:nvSpPr>
+          <p:cNvPr id="52" name="Shape 1"/>
+          <p:cNvSpPr/>
+          <p:nvPr/>
+        </p:nvSpPr>
+        <p:spPr>
+          <a:xfrm>
+            <a:off x="457200" y="3132720"/>
+            <a:ext cx="509760" cy="509760"/>
+          </a:xfrm>
+          <a:prstGeom prst="roundRect">
+            <a:avLst>
+              <a:gd name="adj" fmla="val 6667"/>
+            </a:avLst>
+          </a:prstGeom>
+          <a:solidFill>
+            <a:srgbClr val="f3eee3"/>
+          </a:solidFill>
+          <a:ln w="0">
+            <a:noFill/>
+          </a:ln>
+        </p:spPr>
+        <p:style>
+          <a:lnRef idx="0"/>
+          <a:fillRef idx="0"/>
+          <a:effectRef idx="0"/>
+          <a:fontRef idx="minor"/>
+        </p:style>
+        <p:txBody>
           <a:bodyPr lIns="90000" rIns="90000" tIns="45000" bIns="45000" anchor="t">
             <a:noAutofit/>
           </a:bodyPr>
           <a:p>
+            <a:pPr>
+              <a:lnSpc>
+                <a:spcPct val="100000"/>
+              </a:lnSpc>
+            </a:pPr>
             <a:endParaRPr b="0" lang="en-US" sz="1800" spc="-1" strike="noStrike">
               <a:solidFill>
                 <a:srgbClr val="000000"/>
@@ -4283,14 +6022,14 @@
       </p:sp>
       <p:sp>
         <p:nvSpPr>
-          <p:cNvPr id="49" name="Text 2"/>
+          <p:cNvPr id="53" name="Text 2"/>
           <p:cNvSpPr/>
           <p:nvPr/>
         </p:nvSpPr>
         <p:spPr>
           <a:xfrm>
             <a:off x="632520" y="3217680"/>
-            <a:ext cx="159120" cy="339840"/>
+            <a:ext cx="158760" cy="339480"/>
           </a:xfrm>
           <a:prstGeom prst="rect">
             <a:avLst/>
@@ -4340,14 +6079,14 @@
       </p:sp>
       <p:sp>
         <p:nvSpPr>
-          <p:cNvPr id="50" name="Text 3"/>
+          <p:cNvPr id="54" name="Text 3"/>
           <p:cNvSpPr/>
           <p:nvPr/>
         </p:nvSpPr>
         <p:spPr>
           <a:xfrm>
             <a:off x="1194480" y="3132720"/>
-            <a:ext cx="2927520" cy="708480"/>
+            <a:ext cx="2927160" cy="708120"/>
           </a:xfrm>
           <a:prstGeom prst="rect">
             <a:avLst/>
@@ -4397,14 +6136,14 @@
       </p:sp>
       <p:sp>
         <p:nvSpPr>
-          <p:cNvPr id="51" name="Text 4"/>
+          <p:cNvPr id="55" name="Text 4"/>
           <p:cNvSpPr/>
           <p:nvPr/>
         </p:nvSpPr>
         <p:spPr>
           <a:xfrm>
             <a:off x="1194480" y="3977640"/>
-            <a:ext cx="2927520" cy="1088280"/>
+            <a:ext cx="2927160" cy="1087920"/>
           </a:xfrm>
           <a:prstGeom prst="rect">
             <a:avLst/>
@@ -4454,14 +6193,14 @@
       </p:sp>
       <p:sp>
         <p:nvSpPr>
-          <p:cNvPr id="52" name="Shape 5"/>
+          <p:cNvPr id="56" name="Shape 5"/>
           <p:cNvSpPr/>
           <p:nvPr/>
         </p:nvSpPr>
         <p:spPr>
           <a:xfrm>
             <a:off x="4348800" y="3132720"/>
-            <a:ext cx="510120" cy="510120"/>
+            <a:ext cx="509760" cy="509760"/>
           </a:xfrm>
           <a:prstGeom prst="roundRect">
             <a:avLst>
@@ -4486,6 +6225,11 @@
             <a:noAutofit/>
           </a:bodyPr>
           <a:p>
+            <a:pPr>
+              <a:lnSpc>
+                <a:spcPct val="100000"/>
+              </a:lnSpc>
+            </a:pPr>
             <a:endParaRPr b="0" lang="en-US" sz="1800" spc="-1" strike="noStrike">
               <a:solidFill>
                 <a:srgbClr val="000000"/>
@@ -4497,14 +6241,14 @@
       </p:sp>
       <p:sp>
         <p:nvSpPr>
-          <p:cNvPr id="53" name="Text 6"/>
+          <p:cNvPr id="57" name="Text 6"/>
           <p:cNvSpPr/>
           <p:nvPr/>
         </p:nvSpPr>
         <p:spPr>
           <a:xfrm>
             <a:off x="4509360" y="3217680"/>
-            <a:ext cx="189000" cy="339840"/>
+            <a:ext cx="188640" cy="339480"/>
           </a:xfrm>
           <a:prstGeom prst="rect">
             <a:avLst/>
@@ -4554,14 +6298,14 @@
       </p:sp>
       <p:sp>
         <p:nvSpPr>
-          <p:cNvPr id="54" name="Text 7"/>
+          <p:cNvPr id="58" name="Text 7"/>
           <p:cNvSpPr/>
           <p:nvPr/>
         </p:nvSpPr>
         <p:spPr>
           <a:xfrm>
             <a:off x="5086080" y="3132720"/>
-            <a:ext cx="2835000" cy="353880"/>
+            <a:ext cx="2834640" cy="353520"/>
           </a:xfrm>
           <a:prstGeom prst="rect">
             <a:avLst/>
@@ -4611,14 +6355,14 @@
       </p:sp>
       <p:sp>
         <p:nvSpPr>
-          <p:cNvPr id="55" name="Text 8"/>
+          <p:cNvPr id="59" name="Text 8"/>
           <p:cNvSpPr/>
           <p:nvPr/>
         </p:nvSpPr>
         <p:spPr>
           <a:xfrm>
             <a:off x="5086080" y="3623040"/>
-            <a:ext cx="2927520" cy="1088280"/>
+            <a:ext cx="2927160" cy="1087920"/>
           </a:xfrm>
           <a:prstGeom prst="rect">
             <a:avLst/>
@@ -4668,14 +6412,14 @@
       </p:sp>
       <p:sp>
         <p:nvSpPr>
-          <p:cNvPr id="56" name="Shape 9"/>
+          <p:cNvPr id="60" name="Shape 9"/>
           <p:cNvSpPr/>
           <p:nvPr/>
         </p:nvSpPr>
         <p:spPr>
           <a:xfrm>
             <a:off x="8568000" y="3088440"/>
-            <a:ext cx="447480" cy="569160"/>
+            <a:ext cx="447120" cy="568800"/>
           </a:xfrm>
           <a:prstGeom prst="roundRect">
             <a:avLst>
@@ -4700,6 +6444,11 @@
             <a:noAutofit/>
           </a:bodyPr>
           <a:p>
+            <a:pPr>
+              <a:lnSpc>
+                <a:spcPct val="100000"/>
+              </a:lnSpc>
+            </a:pPr>
             <a:endParaRPr b="0" lang="en-US" sz="1800" spc="-1" strike="noStrike">
               <a:solidFill>
                 <a:srgbClr val="000000"/>
@@ -4711,14 +6460,14 @@
       </p:sp>
       <p:sp>
         <p:nvSpPr>
-          <p:cNvPr id="57" name="Text 10"/>
+          <p:cNvPr id="61" name="Text 10"/>
           <p:cNvSpPr/>
           <p:nvPr/>
         </p:nvSpPr>
         <p:spPr>
           <a:xfrm>
             <a:off x="8708040" y="3260520"/>
-            <a:ext cx="167400" cy="531720"/>
+            <a:ext cx="167040" cy="531360"/>
           </a:xfrm>
           <a:prstGeom prst="rect">
             <a:avLst/>
@@ -4768,14 +6517,14 @@
       </p:sp>
       <p:sp>
         <p:nvSpPr>
-          <p:cNvPr id="58" name="Text 11"/>
+          <p:cNvPr id="62" name="Text 11"/>
           <p:cNvSpPr/>
           <p:nvPr/>
         </p:nvSpPr>
         <p:spPr>
           <a:xfrm>
             <a:off x="9214920" y="3127680"/>
-            <a:ext cx="2487240" cy="553680"/>
+            <a:ext cx="2486880" cy="553320"/>
           </a:xfrm>
           <a:prstGeom prst="rect">
             <a:avLst/>
@@ -4812,7 +6561,7 @@
                 <a:latin typeface="MuseoModerno Medium"/>
                 <a:ea typeface="MuseoModerno Medium"/>
               </a:rPr>
-              <a:t>State graph</a:t>
+              <a:t>Workflow</a:t>
             </a:r>
             <a:endParaRPr b="0" lang="en-US" sz="2200" spc="-1" strike="noStrike">
               <a:solidFill>
@@ -4825,14 +6574,14 @@
       </p:sp>
       <p:sp>
         <p:nvSpPr>
-          <p:cNvPr id="59" name="Text 12"/>
+          <p:cNvPr id="63" name="Text 12"/>
           <p:cNvSpPr/>
           <p:nvPr/>
         </p:nvSpPr>
         <p:spPr>
           <a:xfrm>
             <a:off x="9214920" y="3657600"/>
-            <a:ext cx="4690800" cy="1134720"/>
+            <a:ext cx="4690440" cy="1134360"/>
           </a:xfrm>
           <a:prstGeom prst="rect">
             <a:avLst/>
@@ -4880,6 +6629,678 @@
           </a:p>
         </p:txBody>
       </p:sp>
+    </p:spTree>
+  </p:cSld>
+  <mc:AlternateContent>
+    <mc:Choice Requires="p14">
+      <p:transition spd="slow" p14:dur="2000"/>
+    </mc:Choice>
+    <mc:Fallback>
+      <p:transition spd="slow"/>
+    </mc:Fallback>
+  </mc:AlternateContent>
+</p:sld>
+</file>
+
+<file path=ppt/slides/slide6.xml><?xml version="1.0" encoding="utf-8"?>
+<p:sld xmlns:a="http://schemas.openxmlformats.org/drawingml/2006/main" xmlns:p="http://schemas.openxmlformats.org/presentationml/2006/main" xmlns:r="http://schemas.openxmlformats.org/officeDocument/2006/relationships" xmlns:p14="http://schemas.microsoft.com/office/powerpoint/2010/main" xmlns:p15="http://schemas.microsoft.com/office/powerpoint/2012/main" xmlns:mc="http://schemas.openxmlformats.org/markup-compatibility/2006">
+  <p:cSld>
+    <p:spTree>
+      <p:nvGrpSpPr>
+        <p:cNvPr id="1" name=""/>
+        <p:cNvGrpSpPr/>
+        <p:nvPr/>
+      </p:nvGrpSpPr>
+      <p:grpSpPr>
+        <a:xfrm>
+          <a:off x="0" y="0"/>
+          <a:ext cx="0" cy="0"/>
+          <a:chOff x="0" y="0"/>
+          <a:chExt cx="0" cy="0"/>
+        </a:xfrm>
+      </p:grpSpPr>
+      <p:sp>
+        <p:nvSpPr>
+          <p:cNvPr id="64" name="Text 13"/>
+          <p:cNvSpPr/>
+          <p:nvPr/>
+        </p:nvSpPr>
+        <p:spPr>
+          <a:xfrm>
+            <a:off x="457200" y="1828800"/>
+            <a:ext cx="5670000" cy="708120"/>
+          </a:xfrm>
+          <a:prstGeom prst="rect">
+            <a:avLst/>
+          </a:prstGeom>
+          <a:noFill/>
+          <a:ln w="0">
+            <a:noFill/>
+          </a:ln>
+        </p:spPr>
+        <p:style>
+          <a:lnRef idx="0"/>
+          <a:fillRef idx="0"/>
+          <a:effectRef idx="0"/>
+          <a:fontRef idx="minor"/>
+        </p:style>
+        <p:txBody>
+          <a:bodyPr wrap="none" lIns="0" rIns="0" tIns="0" bIns="0" anchor="t">
+            <a:noAutofit/>
+          </a:bodyPr>
+          <a:p>
+            <a:pPr>
+              <a:lnSpc>
+                <a:spcPts val="5550"/>
+              </a:lnSpc>
+              <a:tabLst>
+                <a:tab algn="l" pos="0"/>
+              </a:tabLst>
+            </a:pPr>
+            <a:r>
+              <a:rPr b="0" lang="en-US" sz="4450" spc="-1" strike="noStrike">
+                <a:solidFill>
+                  <a:srgbClr val="124e73"/>
+                </a:solidFill>
+                <a:latin typeface="MuseoModerno Medium"/>
+                <a:ea typeface="MuseoModerno Medium"/>
+              </a:rPr>
+              <a:t>Examples </a:t>
+            </a:r>
+            <a:r>
+              <a:rPr b="0" lang="en-US" sz="4450" spc="-1" strike="noStrike">
+                <a:solidFill>
+                  <a:srgbClr val="124e73"/>
+                </a:solidFill>
+                <a:latin typeface="MuseoModerno Medium"/>
+                <a:ea typeface="MuseoModerno Medium"/>
+              </a:rPr>
+              <a:t>with </a:t>
+            </a:r>
+            <a:r>
+              <a:rPr b="0" lang="en-US" sz="4450" spc="-1" strike="noStrike">
+                <a:solidFill>
+                  <a:srgbClr val="124e73"/>
+                </a:solidFill>
+                <a:latin typeface="MuseoModerno Medium"/>
+                <a:ea typeface="MuseoModerno Medium"/>
+              </a:rPr>
+              <a:t>generated </a:t>
+            </a:r>
+            <a:r>
+              <a:rPr b="0" lang="en-US" sz="4450" spc="-1" strike="noStrike">
+                <a:solidFill>
+                  <a:srgbClr val="124e73"/>
+                </a:solidFill>
+                <a:latin typeface="MuseoModerno Medium"/>
+                <a:ea typeface="MuseoModerno Medium"/>
+              </a:rPr>
+              <a:t>fake data</a:t>
+            </a:r>
+            <a:endParaRPr b="0" lang="en-US" sz="4450" spc="-1" strike="noStrike">
+              <a:solidFill>
+                <a:srgbClr val="000000"/>
+              </a:solidFill>
+              <a:latin typeface="Arial"/>
+            </a:endParaRPr>
+          </a:p>
+        </p:txBody>
+      </p:sp>
+      <p:pic>
+        <p:nvPicPr>
+          <p:cNvPr id="65" name="" descr=""/>
+          <p:cNvPicPr/>
+          <p:nvPr/>
+        </p:nvPicPr>
+        <p:blipFill>
+          <a:blip r:embed="rId1"/>
+          <a:stretch/>
+        </p:blipFill>
+        <p:spPr>
+          <a:xfrm>
+            <a:off x="483120" y="3867840"/>
+            <a:ext cx="13004280" cy="2990160"/>
+          </a:xfrm>
+          <a:prstGeom prst="rect">
+            <a:avLst/>
+          </a:prstGeom>
+          <a:ln w="0">
+            <a:noFill/>
+          </a:ln>
+        </p:spPr>
+      </p:pic>
+      <p:sp>
+        <p:nvSpPr>
+          <p:cNvPr id="66" name=""/>
+          <p:cNvSpPr txBox="1"/>
+          <p:nvPr/>
+        </p:nvSpPr>
+        <p:spPr>
+          <a:xfrm>
+            <a:off x="457200" y="2955960"/>
+            <a:ext cx="5486400" cy="473040"/>
+          </a:xfrm>
+          <a:prstGeom prst="rect">
+            <a:avLst/>
+          </a:prstGeom>
+          <a:noFill/>
+          <a:ln w="0">
+            <a:noFill/>
+          </a:ln>
+        </p:spPr>
+        <p:txBody>
+          <a:bodyPr lIns="90000" rIns="90000" tIns="45000" bIns="45000" anchor="t">
+            <a:noAutofit/>
+          </a:bodyPr>
+          <a:p>
+            <a:r>
+              <a:rPr b="1" lang="en-US" sz="2200" spc="-1" strike="noStrike">
+                <a:solidFill>
+                  <a:srgbClr val="2b4150"/>
+                </a:solidFill>
+                <a:latin typeface="MuseoModerno Medium"/>
+                <a:ea typeface="MuseoModerno Medium"/>
+              </a:rPr>
+              <a:t>What’s the most bought product?</a:t>
+            </a:r>
+            <a:endParaRPr b="1" lang="en-US" sz="2200" spc="-1" strike="noStrike">
+              <a:solidFill>
+                <a:srgbClr val="000000"/>
+              </a:solidFill>
+              <a:latin typeface="Arial"/>
+            </a:endParaRPr>
+          </a:p>
+        </p:txBody>
+      </p:sp>
+    </p:spTree>
+  </p:cSld>
+  <mc:AlternateContent>
+    <mc:Choice Requires="p14">
+      <p:transition spd="slow" p14:dur="2000"/>
+    </mc:Choice>
+    <mc:Fallback>
+      <p:transition spd="slow"/>
+    </mc:Fallback>
+  </mc:AlternateContent>
+</p:sld>
+</file>
+
+<file path=ppt/slides/slide7.xml><?xml version="1.0" encoding="utf-8"?>
+<p:sld xmlns:a="http://schemas.openxmlformats.org/drawingml/2006/main" xmlns:p="http://schemas.openxmlformats.org/presentationml/2006/main" xmlns:r="http://schemas.openxmlformats.org/officeDocument/2006/relationships" xmlns:p14="http://schemas.microsoft.com/office/powerpoint/2010/main" xmlns:p15="http://schemas.microsoft.com/office/powerpoint/2012/main" xmlns:mc="http://schemas.openxmlformats.org/markup-compatibility/2006">
+  <p:cSld>
+    <p:spTree>
+      <p:nvGrpSpPr>
+        <p:cNvPr id="1" name=""/>
+        <p:cNvGrpSpPr/>
+        <p:nvPr/>
+      </p:nvGrpSpPr>
+      <p:grpSpPr>
+        <a:xfrm>
+          <a:off x="0" y="0"/>
+          <a:ext cx="0" cy="0"/>
+          <a:chOff x="0" y="0"/>
+          <a:chExt cx="0" cy="0"/>
+        </a:xfrm>
+      </p:grpSpPr>
+      <p:sp>
+        <p:nvSpPr>
+          <p:cNvPr id="67" name="Text 14"/>
+          <p:cNvSpPr/>
+          <p:nvPr/>
+        </p:nvSpPr>
+        <p:spPr>
+          <a:xfrm>
+            <a:off x="457200" y="1828800"/>
+            <a:ext cx="5670000" cy="708120"/>
+          </a:xfrm>
+          <a:prstGeom prst="rect">
+            <a:avLst/>
+          </a:prstGeom>
+          <a:noFill/>
+          <a:ln w="0">
+            <a:noFill/>
+          </a:ln>
+        </p:spPr>
+        <p:style>
+          <a:lnRef idx="0"/>
+          <a:fillRef idx="0"/>
+          <a:effectRef idx="0"/>
+          <a:fontRef idx="minor"/>
+        </p:style>
+        <p:txBody>
+          <a:bodyPr wrap="none" lIns="0" rIns="0" tIns="0" bIns="0" anchor="t">
+            <a:noAutofit/>
+          </a:bodyPr>
+          <a:p>
+            <a:pPr>
+              <a:lnSpc>
+                <a:spcPts val="5550"/>
+              </a:lnSpc>
+              <a:tabLst>
+                <a:tab algn="l" pos="0"/>
+              </a:tabLst>
+            </a:pPr>
+            <a:r>
+              <a:rPr b="0" lang="en-US" sz="4450" spc="-1" strike="noStrike">
+                <a:solidFill>
+                  <a:srgbClr val="124e73"/>
+                </a:solidFill>
+                <a:latin typeface="MuseoModerno Medium"/>
+                <a:ea typeface="MuseoModerno Medium"/>
+              </a:rPr>
+              <a:t>Examples </a:t>
+            </a:r>
+            <a:r>
+              <a:rPr b="0" lang="en-US" sz="4450" spc="-1" strike="noStrike">
+                <a:solidFill>
+                  <a:srgbClr val="124e73"/>
+                </a:solidFill>
+                <a:latin typeface="MuseoModerno Medium"/>
+                <a:ea typeface="MuseoModerno Medium"/>
+              </a:rPr>
+              <a:t>with </a:t>
+            </a:r>
+            <a:r>
+              <a:rPr b="0" lang="en-US" sz="4450" spc="-1" strike="noStrike">
+                <a:solidFill>
+                  <a:srgbClr val="124e73"/>
+                </a:solidFill>
+                <a:latin typeface="MuseoModerno Medium"/>
+                <a:ea typeface="MuseoModerno Medium"/>
+              </a:rPr>
+              <a:t>generated </a:t>
+            </a:r>
+            <a:r>
+              <a:rPr b="0" lang="en-US" sz="4450" spc="-1" strike="noStrike">
+                <a:solidFill>
+                  <a:srgbClr val="124e73"/>
+                </a:solidFill>
+                <a:latin typeface="MuseoModerno Medium"/>
+                <a:ea typeface="MuseoModerno Medium"/>
+              </a:rPr>
+              <a:t>fake data</a:t>
+            </a:r>
+            <a:endParaRPr b="0" lang="en-US" sz="4450" spc="-1" strike="noStrike">
+              <a:solidFill>
+                <a:srgbClr val="000000"/>
+              </a:solidFill>
+              <a:latin typeface="Arial"/>
+            </a:endParaRPr>
+          </a:p>
+        </p:txBody>
+      </p:sp>
+      <p:sp>
+        <p:nvSpPr>
+          <p:cNvPr id="68" name=""/>
+          <p:cNvSpPr txBox="1"/>
+          <p:nvPr/>
+        </p:nvSpPr>
+        <p:spPr>
+          <a:xfrm>
+            <a:off x="457200" y="2955960"/>
+            <a:ext cx="11201400" cy="701640"/>
+          </a:xfrm>
+          <a:prstGeom prst="rect">
+            <a:avLst/>
+          </a:prstGeom>
+          <a:noFill/>
+          <a:ln w="0">
+            <a:noFill/>
+          </a:ln>
+        </p:spPr>
+        <p:txBody>
+          <a:bodyPr lIns="90000" rIns="90000" tIns="45000" bIns="45000" anchor="t">
+            <a:noAutofit/>
+          </a:bodyPr>
+          <a:p>
+            <a:r>
+              <a:rPr b="1" lang="en-US" sz="2200" spc="-1" strike="noStrike">
+                <a:solidFill>
+                  <a:srgbClr val="2b4150"/>
+                </a:solidFill>
+                <a:latin typeface="MuseoModerno Medium"/>
+                <a:ea typeface="MuseoModerno Medium"/>
+              </a:rPr>
+              <a:t>What % of my customer base have bought product1, but not product2?</a:t>
+            </a:r>
+            <a:endParaRPr b="1" lang="en-US" sz="2200" spc="-1" strike="noStrike">
+              <a:solidFill>
+                <a:srgbClr val="000000"/>
+              </a:solidFill>
+              <a:latin typeface="Arial"/>
+            </a:endParaRPr>
+          </a:p>
+        </p:txBody>
+      </p:sp>
+      <p:pic>
+        <p:nvPicPr>
+          <p:cNvPr id="69" name="" descr=""/>
+          <p:cNvPicPr/>
+          <p:nvPr/>
+        </p:nvPicPr>
+        <p:blipFill>
+          <a:blip r:embed="rId1"/>
+          <a:stretch/>
+        </p:blipFill>
+        <p:spPr>
+          <a:xfrm>
+            <a:off x="457200" y="3886200"/>
+            <a:ext cx="13169520" cy="3819960"/>
+          </a:xfrm>
+          <a:prstGeom prst="rect">
+            <a:avLst/>
+          </a:prstGeom>
+          <a:ln w="0">
+            <a:noFill/>
+          </a:ln>
+        </p:spPr>
+      </p:pic>
+    </p:spTree>
+  </p:cSld>
+  <mc:AlternateContent>
+    <mc:Choice Requires="p14">
+      <p:transition spd="slow" p14:dur="2000"/>
+    </mc:Choice>
+    <mc:Fallback>
+      <p:transition spd="slow"/>
+    </mc:Fallback>
+  </mc:AlternateContent>
+</p:sld>
+</file>
+
+<file path=ppt/slides/slide8.xml><?xml version="1.0" encoding="utf-8"?>
+<p:sld xmlns:a="http://schemas.openxmlformats.org/drawingml/2006/main" xmlns:p="http://schemas.openxmlformats.org/presentationml/2006/main" xmlns:r="http://schemas.openxmlformats.org/officeDocument/2006/relationships" xmlns:p14="http://schemas.microsoft.com/office/powerpoint/2010/main" xmlns:p15="http://schemas.microsoft.com/office/powerpoint/2012/main" xmlns:mc="http://schemas.openxmlformats.org/markup-compatibility/2006">
+  <p:cSld>
+    <p:spTree>
+      <p:nvGrpSpPr>
+        <p:cNvPr id="1" name=""/>
+        <p:cNvGrpSpPr/>
+        <p:nvPr/>
+      </p:nvGrpSpPr>
+      <p:grpSpPr>
+        <a:xfrm>
+          <a:off x="0" y="0"/>
+          <a:ext cx="0" cy="0"/>
+          <a:chOff x="0" y="0"/>
+          <a:chExt cx="0" cy="0"/>
+        </a:xfrm>
+      </p:grpSpPr>
+      <p:sp>
+        <p:nvSpPr>
+          <p:cNvPr id="70" name="Text 15"/>
+          <p:cNvSpPr/>
+          <p:nvPr/>
+        </p:nvSpPr>
+        <p:spPr>
+          <a:xfrm>
+            <a:off x="457200" y="1828800"/>
+            <a:ext cx="5670000" cy="708120"/>
+          </a:xfrm>
+          <a:prstGeom prst="rect">
+            <a:avLst/>
+          </a:prstGeom>
+          <a:noFill/>
+          <a:ln w="0">
+            <a:noFill/>
+          </a:ln>
+        </p:spPr>
+        <p:style>
+          <a:lnRef idx="0"/>
+          <a:fillRef idx="0"/>
+          <a:effectRef idx="0"/>
+          <a:fontRef idx="minor"/>
+        </p:style>
+        <p:txBody>
+          <a:bodyPr wrap="none" lIns="0" rIns="0" tIns="0" bIns="0" anchor="t">
+            <a:noAutofit/>
+          </a:bodyPr>
+          <a:p>
+            <a:pPr>
+              <a:lnSpc>
+                <a:spcPts val="5550"/>
+              </a:lnSpc>
+              <a:tabLst>
+                <a:tab algn="l" pos="0"/>
+              </a:tabLst>
+            </a:pPr>
+            <a:r>
+              <a:rPr b="0" lang="en-US" sz="4450" spc="-1" strike="noStrike">
+                <a:solidFill>
+                  <a:srgbClr val="124e73"/>
+                </a:solidFill>
+                <a:latin typeface="MuseoModerno Medium"/>
+                <a:ea typeface="MuseoModerno Medium"/>
+              </a:rPr>
+              <a:t>Examples with generated fake data</a:t>
+            </a:r>
+            <a:endParaRPr b="0" lang="en-US" sz="4450" spc="-1" strike="noStrike">
+              <a:solidFill>
+                <a:srgbClr val="000000"/>
+              </a:solidFill>
+              <a:latin typeface="Arial"/>
+            </a:endParaRPr>
+          </a:p>
+        </p:txBody>
+      </p:sp>
+      <p:sp>
+        <p:nvSpPr>
+          <p:cNvPr id="71" name=""/>
+          <p:cNvSpPr txBox="1"/>
+          <p:nvPr/>
+        </p:nvSpPr>
+        <p:spPr>
+          <a:xfrm>
+            <a:off x="457200" y="2955960"/>
+            <a:ext cx="8001000" cy="701640"/>
+          </a:xfrm>
+          <a:prstGeom prst="rect">
+            <a:avLst/>
+          </a:prstGeom>
+          <a:noFill/>
+          <a:ln w="0">
+            <a:noFill/>
+          </a:ln>
+        </p:spPr>
+        <p:txBody>
+          <a:bodyPr lIns="90000" rIns="90000" tIns="45000" bIns="45000" anchor="t">
+            <a:noAutofit/>
+          </a:bodyPr>
+          <a:p>
+            <a:r>
+              <a:rPr b="1" lang="en-US" sz="2200" spc="-1" strike="noStrike">
+                <a:solidFill>
+                  <a:srgbClr val="2b4150"/>
+                </a:solidFill>
+                <a:latin typeface="MuseoModerno Medium"/>
+                <a:ea typeface="MuseoModerno Medium"/>
+              </a:rPr>
+              <a:t>What were my top selling products in the past month?</a:t>
+            </a:r>
+            <a:endParaRPr b="1" lang="en-US" sz="2200" spc="-1" strike="noStrike">
+              <a:solidFill>
+                <a:srgbClr val="000000"/>
+              </a:solidFill>
+              <a:latin typeface="Arial"/>
+            </a:endParaRPr>
+          </a:p>
+        </p:txBody>
+      </p:sp>
+      <p:pic>
+        <p:nvPicPr>
+          <p:cNvPr id="72" name="" descr=""/>
+          <p:cNvPicPr/>
+          <p:nvPr/>
+        </p:nvPicPr>
+        <p:blipFill>
+          <a:blip r:embed="rId1"/>
+          <a:stretch/>
+        </p:blipFill>
+        <p:spPr>
+          <a:xfrm>
+            <a:off x="457200" y="3831120"/>
+            <a:ext cx="12115800" cy="3712680"/>
+          </a:xfrm>
+          <a:prstGeom prst="rect">
+            <a:avLst/>
+          </a:prstGeom>
+          <a:ln w="0">
+            <a:noFill/>
+          </a:ln>
+        </p:spPr>
+      </p:pic>
+    </p:spTree>
+  </p:cSld>
+  <mc:AlternateContent>
+    <mc:Choice Requires="p14">
+      <p:transition spd="slow" p14:dur="2000"/>
+    </mc:Choice>
+    <mc:Fallback>
+      <p:transition spd="slow"/>
+    </mc:Fallback>
+  </mc:AlternateContent>
+</p:sld>
+</file>
+
+<file path=ppt/slides/slide9.xml><?xml version="1.0" encoding="utf-8"?>
+<p:sld xmlns:a="http://schemas.openxmlformats.org/drawingml/2006/main" xmlns:p="http://schemas.openxmlformats.org/presentationml/2006/main" xmlns:r="http://schemas.openxmlformats.org/officeDocument/2006/relationships" xmlns:p14="http://schemas.microsoft.com/office/powerpoint/2010/main" xmlns:p15="http://schemas.microsoft.com/office/powerpoint/2012/main" xmlns:mc="http://schemas.openxmlformats.org/markup-compatibility/2006">
+  <p:cSld>
+    <p:spTree>
+      <p:nvGrpSpPr>
+        <p:cNvPr id="1" name=""/>
+        <p:cNvGrpSpPr/>
+        <p:nvPr/>
+      </p:nvGrpSpPr>
+      <p:grpSpPr>
+        <a:xfrm>
+          <a:off x="0" y="0"/>
+          <a:ext cx="0" cy="0"/>
+          <a:chOff x="0" y="0"/>
+          <a:chExt cx="0" cy="0"/>
+        </a:xfrm>
+      </p:grpSpPr>
+      <p:sp>
+        <p:nvSpPr>
+          <p:cNvPr id="73" name="Text 16"/>
+          <p:cNvSpPr/>
+          <p:nvPr/>
+        </p:nvSpPr>
+        <p:spPr>
+          <a:xfrm>
+            <a:off x="457200" y="1828800"/>
+            <a:ext cx="5670000" cy="708120"/>
+          </a:xfrm>
+          <a:prstGeom prst="rect">
+            <a:avLst/>
+          </a:prstGeom>
+          <a:noFill/>
+          <a:ln w="0">
+            <a:noFill/>
+          </a:ln>
+        </p:spPr>
+        <p:style>
+          <a:lnRef idx="0"/>
+          <a:fillRef idx="0"/>
+          <a:effectRef idx="0"/>
+          <a:fontRef idx="minor"/>
+        </p:style>
+        <p:txBody>
+          <a:bodyPr wrap="none" lIns="0" rIns="0" tIns="0" bIns="0" anchor="t">
+            <a:noAutofit/>
+          </a:bodyPr>
+          <a:p>
+            <a:pPr>
+              <a:lnSpc>
+                <a:spcPts val="5550"/>
+              </a:lnSpc>
+              <a:tabLst>
+                <a:tab algn="l" pos="0"/>
+              </a:tabLst>
+            </a:pPr>
+            <a:r>
+              <a:rPr b="0" lang="en-US" sz="4450" spc="-1" strike="noStrike">
+                <a:solidFill>
+                  <a:srgbClr val="124e73"/>
+                </a:solidFill>
+                <a:latin typeface="MuseoModerno Medium"/>
+                <a:ea typeface="MuseoModerno Medium"/>
+              </a:rPr>
+              <a:t>Examples with generated fake data</a:t>
+            </a:r>
+            <a:endParaRPr b="0" lang="en-US" sz="4450" spc="-1" strike="noStrike">
+              <a:solidFill>
+                <a:srgbClr val="000000"/>
+              </a:solidFill>
+              <a:latin typeface="Arial"/>
+            </a:endParaRPr>
+          </a:p>
+        </p:txBody>
+      </p:sp>
+      <p:sp>
+        <p:nvSpPr>
+          <p:cNvPr id="74" name=""/>
+          <p:cNvSpPr txBox="1"/>
+          <p:nvPr/>
+        </p:nvSpPr>
+        <p:spPr>
+          <a:xfrm>
+            <a:off x="457200" y="2955960"/>
+            <a:ext cx="7315200" cy="701640"/>
+          </a:xfrm>
+          <a:prstGeom prst="rect">
+            <a:avLst/>
+          </a:prstGeom>
+          <a:noFill/>
+          <a:ln w="0">
+            <a:noFill/>
+          </a:ln>
+        </p:spPr>
+        <p:txBody>
+          <a:bodyPr lIns="90000" rIns="90000" tIns="45000" bIns="45000" anchor="t">
+            <a:noAutofit/>
+          </a:bodyPr>
+          <a:p>
+            <a:r>
+              <a:rPr b="1" lang="en-US" sz="2200" spc="-1" strike="noStrike">
+                <a:solidFill>
+                  <a:srgbClr val="2b4150"/>
+                </a:solidFill>
+                <a:latin typeface="MuseoModerno Medium"/>
+                <a:ea typeface="MuseoModerno Medium"/>
+              </a:rPr>
+              <a:t>Which customers are significantly price sensitive?</a:t>
+            </a:r>
+            <a:endParaRPr b="1" lang="en-US" sz="2200" spc="-1" strike="noStrike">
+              <a:solidFill>
+                <a:srgbClr val="000000"/>
+              </a:solidFill>
+              <a:latin typeface="Arial"/>
+            </a:endParaRPr>
+          </a:p>
+        </p:txBody>
+      </p:sp>
+      <p:pic>
+        <p:nvPicPr>
+          <p:cNvPr id="75" name="" descr=""/>
+          <p:cNvPicPr/>
+          <p:nvPr/>
+        </p:nvPicPr>
+        <p:blipFill>
+          <a:blip r:embed="rId1"/>
+          <a:stretch/>
+        </p:blipFill>
+        <p:spPr>
+          <a:xfrm>
+            <a:off x="457200" y="3657600"/>
+            <a:ext cx="13258800" cy="3219120"/>
+          </a:xfrm>
+          <a:prstGeom prst="rect">
+            <a:avLst/>
+          </a:prstGeom>
+          <a:ln w="0">
+            <a:noFill/>
+          </a:ln>
+        </p:spPr>
+      </p:pic>
     </p:spTree>
   </p:cSld>
   <mc:AlternateContent>
